--- a/slide/QuickMed.pptx
+++ b/slide/QuickMed.pptx
@@ -1515,7 +1515,7 @@
           <a:p>
             <a:fld id="{EF1077DB-935E-4A0A-947A-D283B9F9F452}" type="datetimeFigureOut">
               <a:rPr lang="en-US" smtClean="0"/>
-              <a:t>10/7/2019</a:t>
+              <a:t>10/8/2019</a:t>
             </a:fld>
             <a:endParaRPr lang="en-US" dirty="0"/>
           </a:p>
@@ -1692,7 +1692,7 @@
           <a:p>
             <a:fld id="{19EDBDA2-4480-4D82-8886-1B64A7ECBBAC}" type="datetimeFigureOut">
               <a:rPr lang="en-US" noProof="0" smtClean="0"/>
-              <a:t>10/7/2019</a:t>
+              <a:t>10/8/2019</a:t>
             </a:fld>
             <a:endParaRPr lang="en-US" noProof="0" dirty="0"/>
           </a:p>
@@ -22318,7 +22318,7 @@
             </a:pPr>
             <a:r>
               <a:rPr lang="en-US" sz="2800" dirty="0"/>
-              <a:t>Most medical tests take time to perform forcing patients to having to delay before receiving results and doctors wasting time to carry out tests.</a:t>
+              <a:t>Medical tests take time to perform delay before receiving results and doctors wasting time to carry out tests.</a:t>
             </a:r>
           </a:p>
         </p:txBody>
@@ -27208,17 +27208,25 @@
             <a:pPr marL="0" indent="0">
               <a:buNone/>
             </a:pPr>
-            <a:r>
-              <a:rPr lang="en-US" sz="2400" dirty="0"/>
-              <a:t>Many diagnostic issues are data-driven and resolving them requires new data-science based approaches. </a:t>
-            </a:r>
+            <a:endParaRPr lang="en-US" sz="2400" dirty="0"/>
+          </a:p>
+          <a:p>
+            <a:pPr marL="0" indent="0">
+              <a:buNone/>
+            </a:pPr>
+            <a:endParaRPr lang="en-US" sz="2400" dirty="0"/>
+          </a:p>
+          <a:p>
+            <a:pPr marL="0" indent="0">
+              <a:buNone/>
+            </a:pPr>
             <a:r>
               <a:rPr lang="en-US" sz="2400" dirty="0" err="1"/>
               <a:t>QuickMed</a:t>
             </a:r>
             <a:r>
               <a:rPr lang="en-US" sz="2400" dirty="0"/>
-              <a:t> is focused on using innovative AI and machine-learning techniques to improve diagnostic accuracy, cut costs, decrease testing time and improve patient safety worldwide. </a:t>
+              <a:t> is focused on using innovative AI and Machine Learning techniques to improve diagnostic accuracy, cut costs, decrease testing time and improve patient safety worldwide. </a:t>
             </a:r>
           </a:p>
         </p:txBody>
@@ -28441,20 +28449,20 @@
 </file>
 
 <file path=customXml/item2.xml><?xml version="1.0" encoding="utf-8"?>
-<p:properties xmlns:p="http://schemas.microsoft.com/office/2006/metadata/properties" xmlns:xsi="http://www.w3.org/2001/XMLSchema-instance" xmlns:pc="http://schemas.microsoft.com/office/infopath/2007/PartnerControls">
-  <documentManagement>
-    <MediaServiceKeyPoints xmlns="71af3243-3dd4-4a8d-8c0d-dd76da1f02a5" xsi:nil="true"/>
-  </documentManagement>
-</p:properties>
-</file>
-
-<file path=customXml/item3.xml><?xml version="1.0" encoding="utf-8"?>
 <?mso-contentType ?>
 <FormTemplates xmlns="http://schemas.microsoft.com/sharepoint/v3/contenttype/forms">
   <Display>DocumentLibraryForm</Display>
   <Edit>DocumentLibraryForm</Edit>
   <New>DocumentLibraryForm</New>
 </FormTemplates>
+</file>
+
+<file path=customXml/item3.xml><?xml version="1.0" encoding="utf-8"?>
+<p:properties xmlns:p="http://schemas.microsoft.com/office/2006/metadata/properties" xmlns:xsi="http://www.w3.org/2001/XMLSchema-instance" xmlns:pc="http://schemas.microsoft.com/office/infopath/2007/PartnerControls">
+  <documentManagement>
+    <MediaServiceKeyPoints xmlns="71af3243-3dd4-4a8d-8c0d-dd76da1f02a5" xsi:nil="true"/>
+  </documentManagement>
+</p:properties>
 </file>
 
 <file path=customXml/itemProps1.xml><?xml version="1.0" encoding="utf-8"?>
@@ -28477,6 +28485,14 @@
 </file>
 
 <file path=customXml/itemProps2.xml><?xml version="1.0" encoding="utf-8"?>
+<ds:datastoreItem xmlns:ds="http://schemas.openxmlformats.org/officeDocument/2006/customXml" ds:itemID="{5FFFEA1C-4D28-422A-816B-51B2F61D85DA}">
+  <ds:schemaRefs>
+    <ds:schemaRef ds:uri="http://schemas.microsoft.com/sharepoint/v3/contenttype/forms"/>
+  </ds:schemaRefs>
+</ds:datastoreItem>
+</file>
+
+<file path=customXml/itemProps3.xml><?xml version="1.0" encoding="utf-8"?>
 <ds:datastoreItem xmlns:ds="http://schemas.openxmlformats.org/officeDocument/2006/customXml" ds:itemID="{270A2AAC-D70B-4233-9389-268D6896774D}">
   <ds:schemaRefs>
     <ds:schemaRef ds:uri="http://schemas.openxmlformats.org/package/2006/metadata/core-properties"/>
@@ -28491,12 +28507,4 @@
     <ds:schemaRef ds:uri="http://www.w3.org/XML/1998/namespace"/>
   </ds:schemaRefs>
 </ds:datastoreItem>
-</file>
-
-<file path=customXml/itemProps3.xml><?xml version="1.0" encoding="utf-8"?>
-<ds:datastoreItem xmlns:ds="http://schemas.openxmlformats.org/officeDocument/2006/customXml" ds:itemID="{5FFFEA1C-4D28-422A-816B-51B2F61D85DA}">
-  <ds:schemaRefs>
-    <ds:schemaRef ds:uri="http://schemas.microsoft.com/sharepoint/v3/contenttype/forms"/>
-  </ds:schemaRefs>
-</ds:datastoreItem>
 </file>
--- a/slide/QuickMed.pptx
+++ b/slide/QuickMed.pptx
@@ -5,23 +5,24 @@
     <p:sldMasterId id="2147483648" r:id="rId4"/>
   </p:sldMasterIdLst>
   <p:notesMasterIdLst>
-    <p:notesMasterId r:id="rId16"/>
+    <p:notesMasterId r:id="rId17"/>
   </p:notesMasterIdLst>
   <p:handoutMasterIdLst>
-    <p:handoutMasterId r:id="rId17"/>
+    <p:handoutMasterId r:id="rId18"/>
   </p:handoutMasterIdLst>
   <p:sldIdLst>
     <p:sldId id="256" r:id="rId5"/>
     <p:sldId id="282" r:id="rId6"/>
-    <p:sldId id="283" r:id="rId7"/>
-    <p:sldId id="284" r:id="rId8"/>
-    <p:sldId id="264" r:id="rId9"/>
-    <p:sldId id="281" r:id="rId10"/>
-    <p:sldId id="268" r:id="rId11"/>
-    <p:sldId id="278" r:id="rId12"/>
-    <p:sldId id="260" r:id="rId13"/>
-    <p:sldId id="276" r:id="rId14"/>
-    <p:sldId id="280" r:id="rId15"/>
+    <p:sldId id="285" r:id="rId7"/>
+    <p:sldId id="283" r:id="rId8"/>
+    <p:sldId id="284" r:id="rId9"/>
+    <p:sldId id="264" r:id="rId10"/>
+    <p:sldId id="281" r:id="rId11"/>
+    <p:sldId id="268" r:id="rId12"/>
+    <p:sldId id="278" r:id="rId13"/>
+    <p:sldId id="260" r:id="rId14"/>
+    <p:sldId id="276" r:id="rId15"/>
+    <p:sldId id="280" r:id="rId16"/>
   </p:sldIdLst>
   <p:sldSz cx="12192000" cy="6858000"/>
   <p:notesSz cx="6858000" cy="9144000"/>
@@ -1515,7 +1516,7 @@
           <a:p>
             <a:fld id="{EF1077DB-935E-4A0A-947A-D283B9F9F452}" type="datetimeFigureOut">
               <a:rPr lang="en-US" smtClean="0"/>
-              <a:t>10/8/2019</a:t>
+              <a:t>10/11/2019</a:t>
             </a:fld>
             <a:endParaRPr lang="en-US" dirty="0"/>
           </a:p>
@@ -1692,7 +1693,7 @@
           <a:p>
             <a:fld id="{19EDBDA2-4480-4D82-8886-1B64A7ECBBAC}" type="datetimeFigureOut">
               <a:rPr lang="en-US" noProof="0" smtClean="0"/>
-              <a:t>10/8/2019</a:t>
+              <a:t>10/11/2019</a:t>
             </a:fld>
             <a:endParaRPr lang="en-US" noProof="0" dirty="0"/>
           </a:p>
@@ -2108,7 +2109,7 @@
           <a:p>
             <a:fld id="{EFDDBACE-0F8F-43FD-98F0-DEE13552DADA}" type="slidenum">
               <a:rPr lang="en-US" noProof="0" smtClean="0"/>
-              <a:t>10</a:t>
+              <a:t>11</a:t>
             </a:fld>
             <a:endParaRPr lang="en-US" noProof="0" dirty="0"/>
           </a:p>
@@ -2192,7 +2193,7 @@
           <a:p>
             <a:fld id="{EFDDBACE-0F8F-43FD-98F0-DEE13552DADA}" type="slidenum">
               <a:rPr lang="en-US" smtClean="0"/>
-              <a:t>11</a:t>
+              <a:t>12</a:t>
             </a:fld>
             <a:endParaRPr lang="en-US"/>
           </a:p>
@@ -2360,7 +2361,7 @@
           <a:p>
             <a:fld id="{EFDDBACE-0F8F-43FD-98F0-DEE13552DADA}" type="slidenum">
               <a:rPr lang="en-US" noProof="0" smtClean="0"/>
-              <a:t>3</a:t>
+              <a:t>4</a:t>
             </a:fld>
             <a:endParaRPr lang="en-US" noProof="0" dirty="0"/>
           </a:p>
@@ -2444,7 +2445,7 @@
           <a:p>
             <a:fld id="{EFDDBACE-0F8F-43FD-98F0-DEE13552DADA}" type="slidenum">
               <a:rPr lang="en-US" noProof="0" smtClean="0"/>
-              <a:t>4</a:t>
+              <a:t>5</a:t>
             </a:fld>
             <a:endParaRPr lang="en-US" noProof="0" dirty="0"/>
           </a:p>
@@ -2528,7 +2529,7 @@
           <a:p>
             <a:fld id="{EFDDBACE-0F8F-43FD-98F0-DEE13552DADA}" type="slidenum">
               <a:rPr lang="en-US" noProof="0" smtClean="0"/>
-              <a:t>5</a:t>
+              <a:t>6</a:t>
             </a:fld>
             <a:endParaRPr lang="en-US" noProof="0" dirty="0"/>
           </a:p>
@@ -2612,7 +2613,7 @@
           <a:p>
             <a:fld id="{EFDDBACE-0F8F-43FD-98F0-DEE13552DADA}" type="slidenum">
               <a:rPr lang="en-US" noProof="0" smtClean="0"/>
-              <a:t>6</a:t>
+              <a:t>7</a:t>
             </a:fld>
             <a:endParaRPr lang="en-US" noProof="0" dirty="0"/>
           </a:p>
@@ -2696,7 +2697,7 @@
           <a:p>
             <a:fld id="{EFDDBACE-0F8F-43FD-98F0-DEE13552DADA}" type="slidenum">
               <a:rPr lang="en-US" noProof="0" smtClean="0"/>
-              <a:t>7</a:t>
+              <a:t>8</a:t>
             </a:fld>
             <a:endParaRPr lang="en-US" noProof="0" dirty="0"/>
           </a:p>
@@ -2780,7 +2781,7 @@
           <a:p>
             <a:fld id="{EFDDBACE-0F8F-43FD-98F0-DEE13552DADA}" type="slidenum">
               <a:rPr lang="en-US" noProof="0" smtClean="0"/>
-              <a:t>8</a:t>
+              <a:t>9</a:t>
             </a:fld>
             <a:endParaRPr lang="en-US" noProof="0" dirty="0"/>
           </a:p>
@@ -2864,7 +2865,7 @@
           <a:p>
             <a:fld id="{EFDDBACE-0F8F-43FD-98F0-DEE13552DADA}" type="slidenum">
               <a:rPr lang="en-US" noProof="0" smtClean="0"/>
-              <a:t>9</a:t>
+              <a:t>10</a:t>
             </a:fld>
             <a:endParaRPr lang="en-US" noProof="0" dirty="0"/>
           </a:p>
@@ -21036,62 +21037,231 @@
           <a:chExt cx="0" cy="0"/>
         </a:xfrm>
       </p:grpSpPr>
-      <p:sp>
-        <p:nvSpPr>
-          <p:cNvPr id="2" name="Title 1">
-            <a:extLst>
-              <a:ext uri="{FF2B5EF4-FFF2-40B4-BE49-F238E27FC236}">
-                <a16:creationId xmlns:a16="http://schemas.microsoft.com/office/drawing/2014/main" id="{24D34E88-7F23-493B-B73F-B2C433AD9FBA}"/>
-              </a:ext>
-            </a:extLst>
-          </p:cNvPr>
-          <p:cNvSpPr>
-            <a:spLocks noGrp="1"/>
-          </p:cNvSpPr>
-          <p:nvPr>
-            <p:ph type="title"/>
-          </p:nvPr>
-        </p:nvSpPr>
-        <p:spPr>
-          <a:xfrm>
-            <a:off x="432400" y="242417"/>
-            <a:ext cx="10143235" cy="1097748"/>
+      <p:pic>
+        <p:nvPicPr>
+          <p:cNvPr id="12" name="Picture Placeholder 11" descr="Arial image of computer laptop keyboard and clipboard with form on it.  Also contains hands folded.">
+            <a:extLst>
+              <a:ext uri="{FF2B5EF4-FFF2-40B4-BE49-F238E27FC236}">
+                <a16:creationId xmlns:a16="http://schemas.microsoft.com/office/drawing/2014/main" id="{3E7237D6-2D71-4A63-9CB5-8ADCB63FC726}"/>
+              </a:ext>
+            </a:extLst>
+          </p:cNvPr>
+          <p:cNvPicPr>
+            <a:picLocks noGrp="1" noChangeAspect="1"/>
+          </p:cNvPicPr>
+          <p:nvPr>
+            <p:ph type="pic" sz="quarter" idx="10"/>
+          </p:nvPr>
+        </p:nvPicPr>
+        <p:blipFill rotWithShape="1">
+          <a:blip r:embed="rId3" cstate="screen">
+            <a:extLst>
+              <a:ext uri="{28A0092B-C50C-407E-A947-70E740481C1C}">
+                <a14:useLocalDpi xmlns:a14="http://schemas.microsoft.com/office/drawing/2010/main"/>
+              </a:ext>
+            </a:extLst>
+          </a:blip>
+          <a:srcRect/>
+          <a:stretch/>
+        </p:blipFill>
+        <p:spPr>
+          <a:xfrm>
+            <a:off x="5277678" y="136525"/>
+            <a:ext cx="5676382" cy="6584950"/>
+          </a:xfrm>
+        </p:spPr>
+      </p:pic>
+      <p:sp>
+        <p:nvSpPr>
+          <p:cNvPr id="9" name="Rectangle 8">
+            <a:extLst>
+              <a:ext uri="{FF2B5EF4-FFF2-40B4-BE49-F238E27FC236}">
+                <a16:creationId xmlns:a16="http://schemas.microsoft.com/office/drawing/2014/main" id="{670550D9-B72F-46D0-B3A1-179DADF002AC}"/>
+              </a:ext>
+              <a:ext uri="{C183D7F6-B498-43B3-948B-1728B52AA6E4}">
+                <adec:decorative xmlns:adec="http://schemas.microsoft.com/office/drawing/2017/decorative" val="1"/>
+              </a:ext>
+            </a:extLst>
+          </p:cNvPr>
+          <p:cNvSpPr/>
+          <p:nvPr/>
+        </p:nvSpPr>
+        <p:spPr bwMode="invGray">
+          <a:xfrm rot="5400000">
+            <a:off x="4823394" y="590809"/>
+            <a:ext cx="6584950" cy="5676382"/>
+          </a:xfrm>
+          <a:prstGeom prst="rect">
+            <a:avLst/>
+          </a:prstGeom>
+          <a:solidFill>
+            <a:schemeClr val="tx1">
+              <a:alpha val="70000"/>
+            </a:schemeClr>
+          </a:solidFill>
+          <a:ln>
+            <a:noFill/>
+          </a:ln>
+        </p:spPr>
+        <p:style>
+          <a:lnRef idx="2">
+            <a:schemeClr val="accent1">
+              <a:shade val="50000"/>
+            </a:schemeClr>
+          </a:lnRef>
+          <a:fillRef idx="1">
+            <a:schemeClr val="accent1"/>
+          </a:fillRef>
+          <a:effectRef idx="0">
+            <a:schemeClr val="accent1"/>
+          </a:effectRef>
+          <a:fontRef idx="minor">
+            <a:schemeClr val="lt1"/>
+          </a:fontRef>
+        </p:style>
+        <p:txBody>
+          <a:bodyPr rtlCol="0" anchor="ctr"/>
+          <a:lstStyle/>
+          <a:p>
+            <a:pPr algn="ctr"/>
+            <a:endParaRPr lang="en-US" dirty="0"/>
+          </a:p>
+        </p:txBody>
+      </p:sp>
+      <p:sp>
+        <p:nvSpPr>
+          <p:cNvPr id="6" name="Content Placeholder 5">
+            <a:extLst>
+              <a:ext uri="{FF2B5EF4-FFF2-40B4-BE49-F238E27FC236}">
+                <a16:creationId xmlns:a16="http://schemas.microsoft.com/office/drawing/2014/main" id="{03161DAB-3A3E-48FC-9143-482C63BB1C02}"/>
+              </a:ext>
+            </a:extLst>
+          </p:cNvPr>
+          <p:cNvSpPr>
+            <a:spLocks noGrp="1"/>
+          </p:cNvSpPr>
+          <p:nvPr>
+            <p:ph idx="13"/>
+          </p:nvPr>
+        </p:nvSpPr>
+        <p:spPr>
+          <a:xfrm>
+            <a:off x="418243" y="649001"/>
+            <a:ext cx="4444800" cy="5939527"/>
           </a:xfrm>
         </p:spPr>
         <p:txBody>
           <a:bodyPr/>
           <a:lstStyle/>
           <a:p>
-            <a:pPr algn="ctr"/>
+            <a:pPr marL="0" indent="0">
+              <a:buNone/>
+            </a:pPr>
+            <a:r>
+              <a:rPr lang="en-US" sz="2400" dirty="0" err="1"/>
+              <a:t>QuickMed</a:t>
+            </a:r>
+            <a:r>
+              <a:rPr lang="en-US" sz="2400" dirty="0"/>
+              <a:t> was created by LordGhostX, </a:t>
+            </a:r>
+            <a:r>
+              <a:rPr lang="en-US" sz="2400" dirty="0" err="1"/>
+              <a:t>Ochuko</a:t>
+            </a:r>
+            <a:r>
+              <a:rPr lang="en-US" sz="2400" dirty="0"/>
+              <a:t> &amp; Destiny to solve problems associated with costs &amp; running time in medical tests and diagnostics.</a:t>
+            </a:r>
+          </a:p>
+          <a:p>
+            <a:pPr marL="0" indent="0">
+              <a:buNone/>
+            </a:pPr>
+            <a:endParaRPr lang="en-US" sz="2400" dirty="0"/>
+          </a:p>
+          <a:p>
+            <a:pPr marL="0" indent="0">
+              <a:buNone/>
+            </a:pPr>
+            <a:endParaRPr lang="en-US" sz="2400" dirty="0"/>
+          </a:p>
+          <a:p>
+            <a:pPr marL="0" indent="0">
+              <a:buNone/>
+            </a:pPr>
+            <a:endParaRPr lang="en-US" sz="2400" dirty="0"/>
+          </a:p>
+          <a:p>
+            <a:pPr marL="0" indent="0">
+              <a:buNone/>
+            </a:pPr>
+            <a:r>
+              <a:rPr lang="en-US" sz="2400" dirty="0" err="1"/>
+              <a:t>QuickMed</a:t>
+            </a:r>
+            <a:r>
+              <a:rPr lang="en-US" sz="2400" dirty="0"/>
+              <a:t> is focused on using innovative AI and Machine Learning techniques to improve diagnostic accuracy, cut costs, decrease testing time and improve patient safety worldwide. </a:t>
+            </a:r>
+          </a:p>
+        </p:txBody>
+      </p:sp>
+      <p:sp>
+        <p:nvSpPr>
+          <p:cNvPr id="3" name="Title 2">
+            <a:extLst>
+              <a:ext uri="{FF2B5EF4-FFF2-40B4-BE49-F238E27FC236}">
+                <a16:creationId xmlns:a16="http://schemas.microsoft.com/office/drawing/2014/main" id="{7A663105-4B92-4F24-9DF6-58BB116E29FA}"/>
+              </a:ext>
+            </a:extLst>
+          </p:cNvPr>
+          <p:cNvSpPr>
+            <a:spLocks noGrp="1"/>
+          </p:cNvSpPr>
+          <p:nvPr>
+            <p:ph type="ctrTitle"/>
+          </p:nvPr>
+        </p:nvSpPr>
+        <p:spPr bwMode="black">
+          <a:xfrm>
+            <a:off x="5573044" y="3089349"/>
+            <a:ext cx="5085650" cy="1518651"/>
+          </a:xfrm>
+        </p:spPr>
+        <p:txBody>
+          <a:bodyPr/>
+          <a:lstStyle/>
+          <a:p>
             <a:r>
               <a:rPr lang="en-US" sz="8000" b="1" dirty="0">
                 <a:latin typeface="Agency FB" panose="020B0503020202020204" pitchFamily="34" charset="0"/>
               </a:rPr>
-              <a:t>The Team</a:t>
-            </a:r>
-          </a:p>
-        </p:txBody>
-      </p:sp>
-      <p:sp>
-        <p:nvSpPr>
-          <p:cNvPr id="6" name="Text Placeholder 5">
-            <a:extLst>
-              <a:ext uri="{FF2B5EF4-FFF2-40B4-BE49-F238E27FC236}">
-                <a16:creationId xmlns:a16="http://schemas.microsoft.com/office/drawing/2014/main" id="{CE395A7A-A327-4B6E-AC82-4987C1FC2E30}"/>
-              </a:ext>
-            </a:extLst>
-          </p:cNvPr>
-          <p:cNvSpPr>
-            <a:spLocks noGrp="1"/>
-          </p:cNvSpPr>
-          <p:nvPr>
-            <p:ph type="body" sz="quarter" idx="15"/>
-          </p:nvPr>
-        </p:nvSpPr>
-        <p:spPr>
-          <a:xfrm>
-            <a:off x="555059" y="4294041"/>
-            <a:ext cx="2830441" cy="395805"/>
+              <a:t>About Us</a:t>
+            </a:r>
+          </a:p>
+        </p:txBody>
+      </p:sp>
+      <p:sp>
+        <p:nvSpPr>
+          <p:cNvPr id="4" name="Subtitle 3">
+            <a:extLst>
+              <a:ext uri="{FF2B5EF4-FFF2-40B4-BE49-F238E27FC236}">
+                <a16:creationId xmlns:a16="http://schemas.microsoft.com/office/drawing/2014/main" id="{8E41F722-BA6E-4DCA-864E-876ECDFB5336}"/>
+              </a:ext>
+            </a:extLst>
+          </p:cNvPr>
+          <p:cNvSpPr>
+            <a:spLocks noGrp="1"/>
+          </p:cNvSpPr>
+          <p:nvPr>
+            <p:ph type="subTitle" idx="1"/>
+          </p:nvPr>
+        </p:nvSpPr>
+        <p:spPr bwMode="black">
+          <a:xfrm>
+            <a:off x="5573044" y="4764737"/>
+            <a:ext cx="5085650" cy="1800000"/>
           </a:xfrm>
         </p:spPr>
         <p:txBody>
@@ -21099,329 +21269,55 @@
           <a:lstStyle/>
           <a:p>
             <a:r>
-              <a:rPr lang="en-US" sz="4800" dirty="0">
+              <a:rPr lang="en-US" sz="3200" b="1" dirty="0">
                 <a:latin typeface="Agency FB" panose="020B0503020202020204" pitchFamily="34" charset="0"/>
               </a:rPr>
-              <a:t>LordGhostX</a:t>
-            </a:r>
-          </a:p>
-        </p:txBody>
-      </p:sp>
-      <p:sp>
-        <p:nvSpPr>
-          <p:cNvPr id="8" name="Text Placeholder 7">
-            <a:extLst>
-              <a:ext uri="{FF2B5EF4-FFF2-40B4-BE49-F238E27FC236}">
-                <a16:creationId xmlns:a16="http://schemas.microsoft.com/office/drawing/2014/main" id="{2D78387A-D25C-4165-9DF6-D6E3E0BDAFC1}"/>
-              </a:ext>
-            </a:extLst>
-          </p:cNvPr>
-          <p:cNvSpPr>
-            <a:spLocks noGrp="1"/>
-          </p:cNvSpPr>
-          <p:nvPr>
-            <p:ph type="body" sz="quarter" idx="33"/>
-          </p:nvPr>
-        </p:nvSpPr>
-        <p:spPr>
-          <a:xfrm>
-            <a:off x="555060" y="4977316"/>
-            <a:ext cx="2830441" cy="598090"/>
-          </a:xfrm>
-        </p:spPr>
+              <a:t>We’re Setting the Standards in Research &amp; Clinical Care </a:t>
+            </a:r>
+            <a:endParaRPr lang="en-US" sz="3200" dirty="0">
+              <a:latin typeface="Agency FB" panose="020B0503020202020204" pitchFamily="34" charset="0"/>
+            </a:endParaRPr>
+          </a:p>
+        </p:txBody>
+      </p:sp>
+      <p:sp>
+        <p:nvSpPr>
+          <p:cNvPr id="5" name="Slide Number Placeholder 4">
+            <a:extLst>
+              <a:ext uri="{FF2B5EF4-FFF2-40B4-BE49-F238E27FC236}">
+                <a16:creationId xmlns:a16="http://schemas.microsoft.com/office/drawing/2014/main" id="{185B41C8-4B55-458F-878B-550AD24B15E9}"/>
+              </a:ext>
+            </a:extLst>
+          </p:cNvPr>
+          <p:cNvSpPr>
+            <a:spLocks noGrp="1"/>
+          </p:cNvSpPr>
+          <p:nvPr>
+            <p:ph type="sldNum" sz="quarter" idx="12"/>
+          </p:nvPr>
+        </p:nvSpPr>
+        <p:spPr/>
         <p:txBody>
           <a:bodyPr/>
           <a:lstStyle/>
           <a:p>
             <a:r>
-              <a:rPr lang="en-US" sz="3600" dirty="0">
-                <a:latin typeface="Agency FB" panose="020B0503020202020204" pitchFamily="34" charset="0"/>
-              </a:rPr>
-              <a:t>Machine &amp; Deep Learning Engineer</a:t>
-            </a:r>
-          </a:p>
-        </p:txBody>
-      </p:sp>
-      <p:sp>
-        <p:nvSpPr>
-          <p:cNvPr id="10" name="Text Placeholder 9">
-            <a:extLst>
-              <a:ext uri="{FF2B5EF4-FFF2-40B4-BE49-F238E27FC236}">
-                <a16:creationId xmlns:a16="http://schemas.microsoft.com/office/drawing/2014/main" id="{463366FC-5890-4401-A035-A1945CD5B03E}"/>
-              </a:ext>
-            </a:extLst>
-          </p:cNvPr>
-          <p:cNvSpPr>
-            <a:spLocks noGrp="1"/>
-          </p:cNvSpPr>
-          <p:nvPr>
-            <p:ph type="body" sz="quarter" idx="35"/>
-          </p:nvPr>
-        </p:nvSpPr>
-        <p:spPr>
-          <a:xfrm>
-            <a:off x="4211357" y="4392233"/>
-            <a:ext cx="2830441" cy="395805"/>
-          </a:xfrm>
-        </p:spPr>
-        <p:txBody>
-          <a:bodyPr/>
-          <a:lstStyle/>
-          <a:p>
-            <a:r>
-              <a:rPr lang="en-US" sz="4800" dirty="0" err="1">
-                <a:latin typeface="Agency FB" panose="020B0503020202020204" pitchFamily="34" charset="0"/>
-              </a:rPr>
-              <a:t>Ochuko</a:t>
-            </a:r>
-            <a:endParaRPr lang="en-US" sz="4800" dirty="0">
-              <a:latin typeface="Agency FB" panose="020B0503020202020204" pitchFamily="34" charset="0"/>
-            </a:endParaRPr>
-          </a:p>
-        </p:txBody>
-      </p:sp>
-      <p:sp>
-        <p:nvSpPr>
-          <p:cNvPr id="12" name="Text Placeholder 11">
-            <a:extLst>
-              <a:ext uri="{FF2B5EF4-FFF2-40B4-BE49-F238E27FC236}">
-                <a16:creationId xmlns:a16="http://schemas.microsoft.com/office/drawing/2014/main" id="{06DB1517-5B2A-4642-B83D-7221F8B69CD8}"/>
-              </a:ext>
-            </a:extLst>
-          </p:cNvPr>
-          <p:cNvSpPr>
-            <a:spLocks noGrp="1"/>
-          </p:cNvSpPr>
-          <p:nvPr>
-            <p:ph type="body" sz="quarter" idx="37"/>
-          </p:nvPr>
-        </p:nvSpPr>
-        <p:spPr>
-          <a:xfrm>
-            <a:off x="4211557" y="4977316"/>
-            <a:ext cx="2830441" cy="598090"/>
-          </a:xfrm>
-        </p:spPr>
-        <p:txBody>
-          <a:bodyPr/>
-          <a:lstStyle/>
-          <a:p>
-            <a:r>
-              <a:rPr lang="en-US" sz="3600" dirty="0">
-                <a:latin typeface="Agency FB" panose="020B0503020202020204" pitchFamily="34" charset="0"/>
-              </a:rPr>
-              <a:t>Django Backend Developer</a:t>
-            </a:r>
-          </a:p>
-        </p:txBody>
-      </p:sp>
-      <p:sp>
-        <p:nvSpPr>
-          <p:cNvPr id="14" name="Text Placeholder 13">
-            <a:extLst>
-              <a:ext uri="{FF2B5EF4-FFF2-40B4-BE49-F238E27FC236}">
-                <a16:creationId xmlns:a16="http://schemas.microsoft.com/office/drawing/2014/main" id="{CAE39E65-6300-43C2-96EE-FE89E277BD66}"/>
-              </a:ext>
-            </a:extLst>
-          </p:cNvPr>
-          <p:cNvSpPr>
-            <a:spLocks noGrp="1"/>
-          </p:cNvSpPr>
-          <p:nvPr>
-            <p:ph type="body" sz="quarter" idx="39"/>
-          </p:nvPr>
-        </p:nvSpPr>
-        <p:spPr>
-          <a:xfrm>
-            <a:off x="7868054" y="4390008"/>
-            <a:ext cx="2830441" cy="395805"/>
-          </a:xfrm>
-        </p:spPr>
-        <p:txBody>
-          <a:bodyPr/>
-          <a:lstStyle/>
-          <a:p>
-            <a:r>
-              <a:rPr lang="en-US" sz="4800" dirty="0">
-                <a:latin typeface="Agency FB" panose="020B0503020202020204" pitchFamily="34" charset="0"/>
-              </a:rPr>
-              <a:t>Destiny</a:t>
-            </a:r>
-          </a:p>
-        </p:txBody>
-      </p:sp>
-      <p:sp>
-        <p:nvSpPr>
-          <p:cNvPr id="16" name="Text Placeholder 15">
-            <a:extLst>
-              <a:ext uri="{FF2B5EF4-FFF2-40B4-BE49-F238E27FC236}">
-                <a16:creationId xmlns:a16="http://schemas.microsoft.com/office/drawing/2014/main" id="{26339606-8F84-4F70-BA82-12129AE63E46}"/>
-              </a:ext>
-            </a:extLst>
-          </p:cNvPr>
-          <p:cNvSpPr>
-            <a:spLocks noGrp="1"/>
-          </p:cNvSpPr>
-          <p:nvPr>
-            <p:ph type="body" sz="quarter" idx="41"/>
-          </p:nvPr>
-        </p:nvSpPr>
-        <p:spPr>
-          <a:xfrm>
-            <a:off x="7868054" y="4977316"/>
-            <a:ext cx="2830441" cy="598090"/>
-          </a:xfrm>
-        </p:spPr>
-        <p:txBody>
-          <a:bodyPr/>
-          <a:lstStyle/>
-          <a:p>
-            <a:r>
-              <a:rPr lang="en-US" sz="3600" dirty="0">
-                <a:latin typeface="Agency FB" panose="020B0503020202020204" pitchFamily="34" charset="0"/>
-              </a:rPr>
-              <a:t>Frontend Developer &amp; UI/UX designer</a:t>
-            </a:r>
-          </a:p>
-        </p:txBody>
-      </p:sp>
-      <p:sp>
-        <p:nvSpPr>
-          <p:cNvPr id="3" name="Slide Number Placeholder 2">
-            <a:extLst>
-              <a:ext uri="{FF2B5EF4-FFF2-40B4-BE49-F238E27FC236}">
-                <a16:creationId xmlns:a16="http://schemas.microsoft.com/office/drawing/2014/main" id="{527979B4-1C60-47CE-A698-75A1324D9045}"/>
-              </a:ext>
-            </a:extLst>
-          </p:cNvPr>
-          <p:cNvSpPr>
-            <a:spLocks noGrp="1"/>
-          </p:cNvSpPr>
-          <p:nvPr>
-            <p:ph type="sldNum" sz="quarter" idx="42"/>
-          </p:nvPr>
-        </p:nvSpPr>
-        <p:spPr>
-          <a:xfrm>
-            <a:off x="11091633" y="6456363"/>
-            <a:ext cx="962795" cy="264330"/>
-          </a:xfrm>
-        </p:spPr>
-        <p:txBody>
-          <a:bodyPr/>
-          <a:lstStyle/>
-          <a:p>
-            <a:r>
-              <a:rPr lang="en-US" dirty="0">
-                <a:latin typeface="Agency FB" panose="020B0503020202020204" pitchFamily="34" charset="0"/>
-              </a:rPr>
+              <a:rPr lang="en-US" dirty="0"/>
               <a:t>page </a:t>
             </a:r>
             <a:fld id="{19B51A1E-902D-48AF-9020-955120F399B6}" type="slidenum">
-              <a:rPr lang="en-US" b="1" i="1" smtClean="0">
-                <a:latin typeface="Agency FB" panose="020B0503020202020204" pitchFamily="34" charset="0"/>
-              </a:rPr>
+              <a:rPr lang="en-US" smtClean="0"/>
               <a:pPr/>
               <a:t>10</a:t>
             </a:fld>
-            <a:endParaRPr lang="en-US" b="1" i="1" dirty="0">
-              <a:latin typeface="Agency FB" panose="020B0503020202020204" pitchFamily="34" charset="0"/>
-            </a:endParaRPr>
-          </a:p>
-        </p:txBody>
-      </p:sp>
-      <p:pic>
-        <p:nvPicPr>
-          <p:cNvPr id="25" name="Picture Placeholder 24">
-            <a:extLst>
-              <a:ext uri="{FF2B5EF4-FFF2-40B4-BE49-F238E27FC236}">
-                <a16:creationId xmlns:a16="http://schemas.microsoft.com/office/drawing/2014/main" id="{4216FE90-0325-42E4-8457-ADD44474D444}"/>
-              </a:ext>
-            </a:extLst>
-          </p:cNvPr>
-          <p:cNvPicPr>
-            <a:picLocks noGrp="1" noChangeAspect="1"/>
-          </p:cNvPicPr>
-          <p:nvPr>
-            <p:ph type="pic" sz="quarter" idx="34"/>
-          </p:nvPr>
-        </p:nvPicPr>
-        <p:blipFill>
-          <a:blip r:embed="rId3"/>
-          <a:srcRect/>
-          <a:stretch/>
-        </p:blipFill>
-        <p:spPr>
-          <a:xfrm>
-            <a:off x="4211357" y="1781504"/>
-            <a:ext cx="2169134" cy="2150790"/>
-          </a:xfrm>
-        </p:spPr>
-      </p:pic>
-      <p:pic>
-        <p:nvPicPr>
-          <p:cNvPr id="22" name="Picture Placeholder 21">
-            <a:extLst>
-              <a:ext uri="{FF2B5EF4-FFF2-40B4-BE49-F238E27FC236}">
-                <a16:creationId xmlns:a16="http://schemas.microsoft.com/office/drawing/2014/main" id="{8775EC09-3052-420D-AD2B-5EC15009ACD1}"/>
-              </a:ext>
-            </a:extLst>
-          </p:cNvPr>
-          <p:cNvPicPr>
-            <a:picLocks noGrp="1" noChangeAspect="1"/>
-          </p:cNvPicPr>
-          <p:nvPr>
-            <p:ph type="pic" sz="quarter" idx="38"/>
-          </p:nvPr>
-        </p:nvPicPr>
-        <p:blipFill>
-          <a:blip r:embed="rId4"/>
-          <a:srcRect t="12546" b="12546"/>
-          <a:stretch>
-            <a:fillRect/>
-          </a:stretch>
-        </p:blipFill>
-        <p:spPr>
-          <a:xfrm>
-            <a:off x="7868054" y="1781503"/>
-            <a:ext cx="2150790" cy="2150790"/>
-          </a:xfrm>
-        </p:spPr>
-      </p:pic>
-      <p:pic>
-        <p:nvPicPr>
-          <p:cNvPr id="29" name="Picture Placeholder 28">
-            <a:extLst>
-              <a:ext uri="{FF2B5EF4-FFF2-40B4-BE49-F238E27FC236}">
-                <a16:creationId xmlns:a16="http://schemas.microsoft.com/office/drawing/2014/main" id="{29BD6BB8-9193-4909-90A0-CA0A0093C899}"/>
-              </a:ext>
-            </a:extLst>
-          </p:cNvPr>
-          <p:cNvPicPr>
-            <a:picLocks noGrp="1" noChangeAspect="1"/>
-          </p:cNvPicPr>
-          <p:nvPr>
-            <p:ph type="pic" sz="quarter" idx="14"/>
-          </p:nvPr>
-        </p:nvPicPr>
-        <p:blipFill>
-          <a:blip r:embed="rId5"/>
-          <a:srcRect t="4299" b="4299"/>
-          <a:stretch>
-            <a:fillRect/>
-          </a:stretch>
-        </p:blipFill>
-        <p:spPr>
-          <a:xfrm>
-            <a:off x="621320" y="1763159"/>
-            <a:ext cx="2169134" cy="2169134"/>
-          </a:xfrm>
-        </p:spPr>
-      </p:pic>
+            <a:endParaRPr lang="en-US" dirty="0"/>
+          </a:p>
+        </p:txBody>
+      </p:sp>
     </p:spTree>
     <p:extLst>
       <p:ext uri="{BB962C8B-B14F-4D97-AF65-F5344CB8AC3E}">
-        <p14:creationId xmlns:p14="http://schemas.microsoft.com/office/powerpoint/2010/main" val="824717151"/>
+        <p14:creationId xmlns:p14="http://schemas.microsoft.com/office/powerpoint/2010/main" val="2122728967"/>
       </p:ext>
     </p:extLst>
   </p:cSld>
@@ -21448,6 +21344,418 @@
           <a:chExt cx="0" cy="0"/>
         </a:xfrm>
       </p:grpSpPr>
+      <p:sp>
+        <p:nvSpPr>
+          <p:cNvPr id="2" name="Title 1">
+            <a:extLst>
+              <a:ext uri="{FF2B5EF4-FFF2-40B4-BE49-F238E27FC236}">
+                <a16:creationId xmlns:a16="http://schemas.microsoft.com/office/drawing/2014/main" id="{24D34E88-7F23-493B-B73F-B2C433AD9FBA}"/>
+              </a:ext>
+            </a:extLst>
+          </p:cNvPr>
+          <p:cNvSpPr>
+            <a:spLocks noGrp="1"/>
+          </p:cNvSpPr>
+          <p:nvPr>
+            <p:ph type="title"/>
+          </p:nvPr>
+        </p:nvSpPr>
+        <p:spPr>
+          <a:xfrm>
+            <a:off x="432400" y="242417"/>
+            <a:ext cx="10143235" cy="1097748"/>
+          </a:xfrm>
+        </p:spPr>
+        <p:txBody>
+          <a:bodyPr/>
+          <a:lstStyle/>
+          <a:p>
+            <a:pPr algn="ctr"/>
+            <a:r>
+              <a:rPr lang="en-US" sz="8000" b="1" dirty="0">
+                <a:latin typeface="Agency FB" panose="020B0503020202020204" pitchFamily="34" charset="0"/>
+              </a:rPr>
+              <a:t>The Team</a:t>
+            </a:r>
+          </a:p>
+        </p:txBody>
+      </p:sp>
+      <p:sp>
+        <p:nvSpPr>
+          <p:cNvPr id="6" name="Text Placeholder 5">
+            <a:extLst>
+              <a:ext uri="{FF2B5EF4-FFF2-40B4-BE49-F238E27FC236}">
+                <a16:creationId xmlns:a16="http://schemas.microsoft.com/office/drawing/2014/main" id="{CE395A7A-A327-4B6E-AC82-4987C1FC2E30}"/>
+              </a:ext>
+            </a:extLst>
+          </p:cNvPr>
+          <p:cNvSpPr>
+            <a:spLocks noGrp="1"/>
+          </p:cNvSpPr>
+          <p:nvPr>
+            <p:ph type="body" sz="quarter" idx="15"/>
+          </p:nvPr>
+        </p:nvSpPr>
+        <p:spPr>
+          <a:xfrm>
+            <a:off x="555059" y="4294041"/>
+            <a:ext cx="2830441" cy="395805"/>
+          </a:xfrm>
+        </p:spPr>
+        <p:txBody>
+          <a:bodyPr/>
+          <a:lstStyle/>
+          <a:p>
+            <a:r>
+              <a:rPr lang="en-US" sz="4800" dirty="0">
+                <a:latin typeface="Agency FB" panose="020B0503020202020204" pitchFamily="34" charset="0"/>
+              </a:rPr>
+              <a:t>Solomon</a:t>
+            </a:r>
+          </a:p>
+        </p:txBody>
+      </p:sp>
+      <p:sp>
+        <p:nvSpPr>
+          <p:cNvPr id="8" name="Text Placeholder 7">
+            <a:extLst>
+              <a:ext uri="{FF2B5EF4-FFF2-40B4-BE49-F238E27FC236}">
+                <a16:creationId xmlns:a16="http://schemas.microsoft.com/office/drawing/2014/main" id="{2D78387A-D25C-4165-9DF6-D6E3E0BDAFC1}"/>
+              </a:ext>
+            </a:extLst>
+          </p:cNvPr>
+          <p:cNvSpPr>
+            <a:spLocks noGrp="1"/>
+          </p:cNvSpPr>
+          <p:nvPr>
+            <p:ph type="body" sz="quarter" idx="33"/>
+          </p:nvPr>
+        </p:nvSpPr>
+        <p:spPr>
+          <a:xfrm>
+            <a:off x="555060" y="4977316"/>
+            <a:ext cx="2830441" cy="598090"/>
+          </a:xfrm>
+        </p:spPr>
+        <p:txBody>
+          <a:bodyPr/>
+          <a:lstStyle/>
+          <a:p>
+            <a:r>
+              <a:rPr lang="en-US" sz="3600" dirty="0">
+                <a:latin typeface="Agency FB" panose="020B0503020202020204" pitchFamily="34" charset="0"/>
+              </a:rPr>
+              <a:t>Machine &amp; Deep Learning Engineer</a:t>
+            </a:r>
+          </a:p>
+        </p:txBody>
+      </p:sp>
+      <p:sp>
+        <p:nvSpPr>
+          <p:cNvPr id="10" name="Text Placeholder 9">
+            <a:extLst>
+              <a:ext uri="{FF2B5EF4-FFF2-40B4-BE49-F238E27FC236}">
+                <a16:creationId xmlns:a16="http://schemas.microsoft.com/office/drawing/2014/main" id="{463366FC-5890-4401-A035-A1945CD5B03E}"/>
+              </a:ext>
+            </a:extLst>
+          </p:cNvPr>
+          <p:cNvSpPr>
+            <a:spLocks noGrp="1"/>
+          </p:cNvSpPr>
+          <p:nvPr>
+            <p:ph type="body" sz="quarter" idx="35"/>
+          </p:nvPr>
+        </p:nvSpPr>
+        <p:spPr>
+          <a:xfrm>
+            <a:off x="4211357" y="4392233"/>
+            <a:ext cx="2830441" cy="395805"/>
+          </a:xfrm>
+        </p:spPr>
+        <p:txBody>
+          <a:bodyPr/>
+          <a:lstStyle/>
+          <a:p>
+            <a:r>
+              <a:rPr lang="en-US" sz="4800" dirty="0" err="1">
+                <a:latin typeface="Agency FB" panose="020B0503020202020204" pitchFamily="34" charset="0"/>
+              </a:rPr>
+              <a:t>Ochuko</a:t>
+            </a:r>
+            <a:endParaRPr lang="en-US" sz="4800" dirty="0">
+              <a:latin typeface="Agency FB" panose="020B0503020202020204" pitchFamily="34" charset="0"/>
+            </a:endParaRPr>
+          </a:p>
+        </p:txBody>
+      </p:sp>
+      <p:sp>
+        <p:nvSpPr>
+          <p:cNvPr id="12" name="Text Placeholder 11">
+            <a:extLst>
+              <a:ext uri="{FF2B5EF4-FFF2-40B4-BE49-F238E27FC236}">
+                <a16:creationId xmlns:a16="http://schemas.microsoft.com/office/drawing/2014/main" id="{06DB1517-5B2A-4642-B83D-7221F8B69CD8}"/>
+              </a:ext>
+            </a:extLst>
+          </p:cNvPr>
+          <p:cNvSpPr>
+            <a:spLocks noGrp="1"/>
+          </p:cNvSpPr>
+          <p:nvPr>
+            <p:ph type="body" sz="quarter" idx="37"/>
+          </p:nvPr>
+        </p:nvSpPr>
+        <p:spPr>
+          <a:xfrm>
+            <a:off x="4211557" y="4977316"/>
+            <a:ext cx="2830441" cy="598090"/>
+          </a:xfrm>
+        </p:spPr>
+        <p:txBody>
+          <a:bodyPr/>
+          <a:lstStyle/>
+          <a:p>
+            <a:r>
+              <a:rPr lang="en-US" sz="3600" dirty="0">
+                <a:latin typeface="Agency FB" panose="020B0503020202020204" pitchFamily="34" charset="0"/>
+              </a:rPr>
+              <a:t>Django Backend Developer</a:t>
+            </a:r>
+          </a:p>
+        </p:txBody>
+      </p:sp>
+      <p:sp>
+        <p:nvSpPr>
+          <p:cNvPr id="14" name="Text Placeholder 13">
+            <a:extLst>
+              <a:ext uri="{FF2B5EF4-FFF2-40B4-BE49-F238E27FC236}">
+                <a16:creationId xmlns:a16="http://schemas.microsoft.com/office/drawing/2014/main" id="{CAE39E65-6300-43C2-96EE-FE89E277BD66}"/>
+              </a:ext>
+            </a:extLst>
+          </p:cNvPr>
+          <p:cNvSpPr>
+            <a:spLocks noGrp="1"/>
+          </p:cNvSpPr>
+          <p:nvPr>
+            <p:ph type="body" sz="quarter" idx="39"/>
+          </p:nvPr>
+        </p:nvSpPr>
+        <p:spPr>
+          <a:xfrm>
+            <a:off x="7868054" y="4390008"/>
+            <a:ext cx="2830441" cy="395805"/>
+          </a:xfrm>
+        </p:spPr>
+        <p:txBody>
+          <a:bodyPr/>
+          <a:lstStyle/>
+          <a:p>
+            <a:r>
+              <a:rPr lang="en-US" sz="4800" dirty="0">
+                <a:latin typeface="Agency FB" panose="020B0503020202020204" pitchFamily="34" charset="0"/>
+              </a:rPr>
+              <a:t>Destiny</a:t>
+            </a:r>
+          </a:p>
+        </p:txBody>
+      </p:sp>
+      <p:sp>
+        <p:nvSpPr>
+          <p:cNvPr id="16" name="Text Placeholder 15">
+            <a:extLst>
+              <a:ext uri="{FF2B5EF4-FFF2-40B4-BE49-F238E27FC236}">
+                <a16:creationId xmlns:a16="http://schemas.microsoft.com/office/drawing/2014/main" id="{26339606-8F84-4F70-BA82-12129AE63E46}"/>
+              </a:ext>
+            </a:extLst>
+          </p:cNvPr>
+          <p:cNvSpPr>
+            <a:spLocks noGrp="1"/>
+          </p:cNvSpPr>
+          <p:nvPr>
+            <p:ph type="body" sz="quarter" idx="41"/>
+          </p:nvPr>
+        </p:nvSpPr>
+        <p:spPr>
+          <a:xfrm>
+            <a:off x="7868054" y="4977316"/>
+            <a:ext cx="2830441" cy="598090"/>
+          </a:xfrm>
+        </p:spPr>
+        <p:txBody>
+          <a:bodyPr/>
+          <a:lstStyle/>
+          <a:p>
+            <a:r>
+              <a:rPr lang="en-US" sz="3600" dirty="0">
+                <a:latin typeface="Agency FB" panose="020B0503020202020204" pitchFamily="34" charset="0"/>
+              </a:rPr>
+              <a:t>Frontend Developer &amp; UI/UX designer</a:t>
+            </a:r>
+          </a:p>
+        </p:txBody>
+      </p:sp>
+      <p:sp>
+        <p:nvSpPr>
+          <p:cNvPr id="3" name="Slide Number Placeholder 2">
+            <a:extLst>
+              <a:ext uri="{FF2B5EF4-FFF2-40B4-BE49-F238E27FC236}">
+                <a16:creationId xmlns:a16="http://schemas.microsoft.com/office/drawing/2014/main" id="{527979B4-1C60-47CE-A698-75A1324D9045}"/>
+              </a:ext>
+            </a:extLst>
+          </p:cNvPr>
+          <p:cNvSpPr>
+            <a:spLocks noGrp="1"/>
+          </p:cNvSpPr>
+          <p:nvPr>
+            <p:ph type="sldNum" sz="quarter" idx="42"/>
+          </p:nvPr>
+        </p:nvSpPr>
+        <p:spPr>
+          <a:xfrm>
+            <a:off x="11091633" y="6456363"/>
+            <a:ext cx="962795" cy="264330"/>
+          </a:xfrm>
+        </p:spPr>
+        <p:txBody>
+          <a:bodyPr/>
+          <a:lstStyle/>
+          <a:p>
+            <a:r>
+              <a:rPr lang="en-US" dirty="0">
+                <a:latin typeface="Agency FB" panose="020B0503020202020204" pitchFamily="34" charset="0"/>
+              </a:rPr>
+              <a:t>page </a:t>
+            </a:r>
+            <a:fld id="{19B51A1E-902D-48AF-9020-955120F399B6}" type="slidenum">
+              <a:rPr lang="en-US" b="1" i="1" smtClean="0">
+                <a:latin typeface="Agency FB" panose="020B0503020202020204" pitchFamily="34" charset="0"/>
+              </a:rPr>
+              <a:pPr/>
+              <a:t>11</a:t>
+            </a:fld>
+            <a:endParaRPr lang="en-US" b="1" i="1" dirty="0">
+              <a:latin typeface="Agency FB" panose="020B0503020202020204" pitchFamily="34" charset="0"/>
+            </a:endParaRPr>
+          </a:p>
+        </p:txBody>
+      </p:sp>
+      <p:pic>
+        <p:nvPicPr>
+          <p:cNvPr id="25" name="Picture Placeholder 24">
+            <a:extLst>
+              <a:ext uri="{FF2B5EF4-FFF2-40B4-BE49-F238E27FC236}">
+                <a16:creationId xmlns:a16="http://schemas.microsoft.com/office/drawing/2014/main" id="{4216FE90-0325-42E4-8457-ADD44474D444}"/>
+              </a:ext>
+            </a:extLst>
+          </p:cNvPr>
+          <p:cNvPicPr>
+            <a:picLocks noGrp="1" noChangeAspect="1"/>
+          </p:cNvPicPr>
+          <p:nvPr>
+            <p:ph type="pic" sz="quarter" idx="34"/>
+          </p:nvPr>
+        </p:nvPicPr>
+        <p:blipFill>
+          <a:blip r:embed="rId3"/>
+          <a:srcRect/>
+          <a:stretch/>
+        </p:blipFill>
+        <p:spPr>
+          <a:xfrm>
+            <a:off x="4211357" y="1781504"/>
+            <a:ext cx="2169134" cy="2150790"/>
+          </a:xfrm>
+        </p:spPr>
+      </p:pic>
+      <p:pic>
+        <p:nvPicPr>
+          <p:cNvPr id="22" name="Picture Placeholder 21">
+            <a:extLst>
+              <a:ext uri="{FF2B5EF4-FFF2-40B4-BE49-F238E27FC236}">
+                <a16:creationId xmlns:a16="http://schemas.microsoft.com/office/drawing/2014/main" id="{8775EC09-3052-420D-AD2B-5EC15009ACD1}"/>
+              </a:ext>
+            </a:extLst>
+          </p:cNvPr>
+          <p:cNvPicPr>
+            <a:picLocks noGrp="1" noChangeAspect="1"/>
+          </p:cNvPicPr>
+          <p:nvPr>
+            <p:ph type="pic" sz="quarter" idx="38"/>
+          </p:nvPr>
+        </p:nvPicPr>
+        <p:blipFill>
+          <a:blip r:embed="rId4"/>
+          <a:srcRect t="12546" b="12546"/>
+          <a:stretch>
+            <a:fillRect/>
+          </a:stretch>
+        </p:blipFill>
+        <p:spPr>
+          <a:xfrm>
+            <a:off x="7868054" y="1781503"/>
+            <a:ext cx="2150790" cy="2150790"/>
+          </a:xfrm>
+        </p:spPr>
+      </p:pic>
+      <p:pic>
+        <p:nvPicPr>
+          <p:cNvPr id="29" name="Picture Placeholder 28">
+            <a:extLst>
+              <a:ext uri="{FF2B5EF4-FFF2-40B4-BE49-F238E27FC236}">
+                <a16:creationId xmlns:a16="http://schemas.microsoft.com/office/drawing/2014/main" id="{29BD6BB8-9193-4909-90A0-CA0A0093C899}"/>
+              </a:ext>
+            </a:extLst>
+          </p:cNvPr>
+          <p:cNvPicPr>
+            <a:picLocks noGrp="1" noChangeAspect="1"/>
+          </p:cNvPicPr>
+          <p:nvPr>
+            <p:ph type="pic" sz="quarter" idx="14"/>
+          </p:nvPr>
+        </p:nvPicPr>
+        <p:blipFill>
+          <a:blip r:embed="rId5"/>
+          <a:srcRect t="4299" b="4299"/>
+          <a:stretch>
+            <a:fillRect/>
+          </a:stretch>
+        </p:blipFill>
+        <p:spPr>
+          <a:xfrm>
+            <a:off x="621320" y="1763159"/>
+            <a:ext cx="2169134" cy="2169134"/>
+          </a:xfrm>
+        </p:spPr>
+      </p:pic>
+    </p:spTree>
+    <p:extLst>
+      <p:ext uri="{BB962C8B-B14F-4D97-AF65-F5344CB8AC3E}">
+        <p14:creationId xmlns:p14="http://schemas.microsoft.com/office/powerpoint/2010/main" val="824717151"/>
+      </p:ext>
+    </p:extLst>
+  </p:cSld>
+  <p:clrMapOvr>
+    <a:masterClrMapping/>
+  </p:clrMapOvr>
+</p:sld>
+</file>
+
+<file path=ppt/slides/slide12.xml><?xml version="1.0" encoding="utf-8"?>
+<p:sld xmlns:a="http://schemas.openxmlformats.org/drawingml/2006/main" xmlns:r="http://schemas.openxmlformats.org/officeDocument/2006/relationships" xmlns:p="http://schemas.openxmlformats.org/presentationml/2006/main">
+  <p:cSld>
+    <p:spTree>
+      <p:nvGrpSpPr>
+        <p:cNvPr id="1" name=""/>
+        <p:cNvGrpSpPr/>
+        <p:nvPr/>
+      </p:nvGrpSpPr>
+      <p:grpSpPr>
+        <a:xfrm>
+          <a:off x="0" y="0"/>
+          <a:ext cx="0" cy="0"/>
+          <a:chOff x="0" y="0"/>
+          <a:chExt cx="0" cy="0"/>
+        </a:xfrm>
+      </p:grpSpPr>
       <p:pic>
         <p:nvPicPr>
           <p:cNvPr id="21" name="Picture Placeholder 16" descr="Image containing medical tweezers of various sizes, some pills, and a hand holding a pen writing on a piece of paper attached to a clipboard">
@@ -21568,24 +21876,24 @@
       </p:sp>
       <p:sp>
         <p:nvSpPr>
-          <p:cNvPr id="7" name="Text Placeholder 6">
-            <a:extLst>
-              <a:ext uri="{FF2B5EF4-FFF2-40B4-BE49-F238E27FC236}">
-                <a16:creationId xmlns:a16="http://schemas.microsoft.com/office/drawing/2014/main" id="{75739431-ADAD-416E-818C-4B616D2870E5}"/>
-              </a:ext>
-            </a:extLst>
-          </p:cNvPr>
-          <p:cNvSpPr>
-            <a:spLocks noGrp="1"/>
-          </p:cNvSpPr>
-          <p:nvPr>
-            <p:ph type="body" sz="quarter" idx="16"/>
-          </p:nvPr>
-        </p:nvSpPr>
-        <p:spPr>
-          <a:xfrm>
-            <a:off x="5573044" y="5111932"/>
-            <a:ext cx="4681330" cy="631150"/>
+          <p:cNvPr id="8" name="Text Placeholder 7">
+            <a:extLst>
+              <a:ext uri="{FF2B5EF4-FFF2-40B4-BE49-F238E27FC236}">
+                <a16:creationId xmlns:a16="http://schemas.microsoft.com/office/drawing/2014/main" id="{2258B848-99A6-4681-9D22-50069C0BDE97}"/>
+              </a:ext>
+            </a:extLst>
+          </p:cNvPr>
+          <p:cNvSpPr>
+            <a:spLocks noGrp="1"/>
+          </p:cNvSpPr>
+          <p:nvPr>
+            <p:ph type="body" sz="quarter" idx="17"/>
+          </p:nvPr>
+        </p:nvSpPr>
+        <p:spPr>
+          <a:xfrm>
+            <a:off x="5549538" y="5728221"/>
+            <a:ext cx="4683095" cy="631150"/>
           </a:xfrm>
         </p:spPr>
         <p:txBody>
@@ -21596,17 +21904,17 @@
               <a:rPr lang="en-US" sz="4000" dirty="0">
                 <a:latin typeface="Agency FB" panose="020B0503020202020204" pitchFamily="34" charset="0"/>
               </a:rPr>
-              <a:t>info@quickmed.ml</a:t>
+              <a:t>www.quickmedai.com</a:t>
             </a:r>
           </a:p>
         </p:txBody>
       </p:sp>
       <p:pic>
         <p:nvPicPr>
-          <p:cNvPr id="13" name="Graphic 12" descr="Envelope icon" title="Icon Presenter Email">
-            <a:extLst>
-              <a:ext uri="{FF2B5EF4-FFF2-40B4-BE49-F238E27FC236}">
-                <a16:creationId xmlns:a16="http://schemas.microsoft.com/office/drawing/2014/main" id="{A24A1417-AE3F-44AE-98EB-3E6ADA1E2017}"/>
+          <p:cNvPr id="15" name="Graphic 14" descr="Link icon">
+            <a:extLst>
+              <a:ext uri="{FF2B5EF4-FFF2-40B4-BE49-F238E27FC236}">
+                <a16:creationId xmlns:a16="http://schemas.microsoft.com/office/drawing/2014/main" id="{0161B5EF-405A-4DEA-8E00-0A6A7B71F7BA}"/>
               </a:ext>
             </a:extLst>
           </p:cNvPr>
@@ -21632,8 +21940,8 @@
         </p:blipFill>
         <p:spPr bwMode="black">
           <a:xfrm>
-            <a:off x="10387065" y="5190339"/>
-            <a:ext cx="367718" cy="367718"/>
+            <a:off x="10388065" y="5791418"/>
+            <a:ext cx="384577" cy="384577"/>
           </a:xfrm>
           <a:prstGeom prst="rect">
             <a:avLst/>
@@ -21642,80 +21950,6 @@
       </p:pic>
       <p:sp>
         <p:nvSpPr>
-          <p:cNvPr id="8" name="Text Placeholder 7">
-            <a:extLst>
-              <a:ext uri="{FF2B5EF4-FFF2-40B4-BE49-F238E27FC236}">
-                <a16:creationId xmlns:a16="http://schemas.microsoft.com/office/drawing/2014/main" id="{2258B848-99A6-4681-9D22-50069C0BDE97}"/>
-              </a:ext>
-            </a:extLst>
-          </p:cNvPr>
-          <p:cNvSpPr>
-            <a:spLocks noGrp="1"/>
-          </p:cNvSpPr>
-          <p:nvPr>
-            <p:ph type="body" sz="quarter" idx="17"/>
-          </p:nvPr>
-        </p:nvSpPr>
-        <p:spPr>
-          <a:xfrm>
-            <a:off x="5549538" y="5728221"/>
-            <a:ext cx="4683095" cy="631150"/>
-          </a:xfrm>
-        </p:spPr>
-        <p:txBody>
-          <a:bodyPr/>
-          <a:lstStyle/>
-          <a:p>
-            <a:r>
-              <a:rPr lang="en-US" sz="4000" dirty="0">
-                <a:latin typeface="Agency FB" panose="020B0503020202020204" pitchFamily="34" charset="0"/>
-              </a:rPr>
-              <a:t>www.quickmed.ml</a:t>
-            </a:r>
-          </a:p>
-        </p:txBody>
-      </p:sp>
-      <p:pic>
-        <p:nvPicPr>
-          <p:cNvPr id="15" name="Graphic 14" descr="Link icon">
-            <a:extLst>
-              <a:ext uri="{FF2B5EF4-FFF2-40B4-BE49-F238E27FC236}">
-                <a16:creationId xmlns:a16="http://schemas.microsoft.com/office/drawing/2014/main" id="{0161B5EF-405A-4DEA-8E00-0A6A7B71F7BA}"/>
-              </a:ext>
-            </a:extLst>
-          </p:cNvPr>
-          <p:cNvPicPr>
-            <a:picLocks noChangeAspect="1"/>
-          </p:cNvPicPr>
-          <p:nvPr/>
-        </p:nvPicPr>
-        <p:blipFill>
-          <a:blip r:embed="rId6" cstate="screen">
-            <a:extLst>
-              <a:ext uri="{28A0092B-C50C-407E-A947-70E740481C1C}">
-                <a14:useLocalDpi xmlns:a14="http://schemas.microsoft.com/office/drawing/2010/main"/>
-              </a:ext>
-              <a:ext uri="{96DAC541-7B7A-43D3-8B79-37D633B846F1}">
-                <asvg:svgBlip xmlns:asvg="http://schemas.microsoft.com/office/drawing/2016/SVG/main" r:embed="rId7"/>
-              </a:ext>
-            </a:extLst>
-          </a:blip>
-          <a:stretch>
-            <a:fillRect/>
-          </a:stretch>
-        </p:blipFill>
-        <p:spPr bwMode="black">
-          <a:xfrm>
-            <a:off x="10388065" y="5791418"/>
-            <a:ext cx="384577" cy="384577"/>
-          </a:xfrm>
-          <a:prstGeom prst="rect">
-            <a:avLst/>
-          </a:prstGeom>
-        </p:spPr>
-      </p:pic>
-      <p:sp>
-        <p:nvSpPr>
           <p:cNvPr id="5" name="Slide Number Placeholder 4">
             <a:extLst>
               <a:ext uri="{FF2B5EF4-FFF2-40B4-BE49-F238E27FC236}">
@@ -21742,7 +21976,7 @@
             <a:fld id="{19B51A1E-902D-48AF-9020-955120F399B6}" type="slidenum">
               <a:rPr lang="en-US" smtClean="0"/>
               <a:pPr/>
-              <a:t>11</a:t>
+              <a:t>12</a:t>
             </a:fld>
             <a:endParaRPr lang="en-US" dirty="0"/>
           </a:p>
@@ -22398,6 +22632,109 @@
           <p:cNvPr id="3" name="Slide Number Placeholder 2">
             <a:extLst>
               <a:ext uri="{FF2B5EF4-FFF2-40B4-BE49-F238E27FC236}">
+                <a16:creationId xmlns:a16="http://schemas.microsoft.com/office/drawing/2014/main" id="{2CC4FB6C-A938-48A8-A48E-63D34F21E104}"/>
+              </a:ext>
+            </a:extLst>
+          </p:cNvPr>
+          <p:cNvSpPr>
+            <a:spLocks noGrp="1"/>
+          </p:cNvSpPr>
+          <p:nvPr>
+            <p:ph type="sldNum" sz="quarter" idx="14"/>
+          </p:nvPr>
+        </p:nvSpPr>
+        <p:spPr/>
+        <p:txBody>
+          <a:bodyPr/>
+          <a:lstStyle/>
+          <a:p>
+            <a:r>
+              <a:rPr lang="en-US" noProof="0"/>
+              <a:t>page </a:t>
+            </a:r>
+            <a:fld id="{19B51A1E-902D-48AF-9020-955120F399B6}" type="slidenum">
+              <a:rPr lang="en-US" b="1" i="1" noProof="0" smtClean="0"/>
+              <a:pPr/>
+              <a:t>3</a:t>
+            </a:fld>
+            <a:endParaRPr lang="en-US" b="1" i="1" noProof="0" dirty="0"/>
+          </a:p>
+        </p:txBody>
+      </p:sp>
+      <p:sp>
+        <p:nvSpPr>
+          <p:cNvPr id="4" name="Title 2">
+            <a:extLst>
+              <a:ext uri="{FF2B5EF4-FFF2-40B4-BE49-F238E27FC236}">
+                <a16:creationId xmlns:a16="http://schemas.microsoft.com/office/drawing/2014/main" id="{995056B5-F3AF-4600-9A2C-753E1B3FEA27}"/>
+              </a:ext>
+            </a:extLst>
+          </p:cNvPr>
+          <p:cNvSpPr>
+            <a:spLocks noGrp="1"/>
+          </p:cNvSpPr>
+          <p:nvPr>
+            <p:ph type="title"/>
+          </p:nvPr>
+        </p:nvSpPr>
+        <p:spPr>
+          <a:xfrm>
+            <a:off x="432000" y="401637"/>
+            <a:ext cx="10143235" cy="960702"/>
+          </a:xfrm>
+        </p:spPr>
+        <p:txBody>
+          <a:bodyPr/>
+          <a:lstStyle/>
+          <a:p>
+            <a:pPr algn="ctr"/>
+            <a:r>
+              <a:rPr lang="en-US" sz="8000" b="1">
+                <a:latin typeface="Agency FB" panose="020B0503020202020204" pitchFamily="34" charset="0"/>
+              </a:rPr>
+              <a:t>Case Study</a:t>
+            </a:r>
+            <a:endParaRPr lang="en-US" sz="8000" b="1" dirty="0">
+              <a:latin typeface="Agency FB" panose="020B0503020202020204" pitchFamily="34" charset="0"/>
+            </a:endParaRPr>
+          </a:p>
+        </p:txBody>
+      </p:sp>
+    </p:spTree>
+    <p:extLst>
+      <p:ext uri="{BB962C8B-B14F-4D97-AF65-F5344CB8AC3E}">
+        <p14:creationId xmlns:p14="http://schemas.microsoft.com/office/powerpoint/2010/main" val="1831246105"/>
+      </p:ext>
+    </p:extLst>
+  </p:cSld>
+  <p:clrMapOvr>
+    <a:masterClrMapping/>
+  </p:clrMapOvr>
+</p:sld>
+</file>
+
+<file path=ppt/slides/slide4.xml><?xml version="1.0" encoding="utf-8"?>
+<p:sld xmlns:a="http://schemas.openxmlformats.org/drawingml/2006/main" xmlns:r="http://schemas.openxmlformats.org/officeDocument/2006/relationships" xmlns:p="http://schemas.openxmlformats.org/presentationml/2006/main">
+  <p:cSld>
+    <p:spTree>
+      <p:nvGrpSpPr>
+        <p:cNvPr id="1" name=""/>
+        <p:cNvGrpSpPr/>
+        <p:nvPr/>
+      </p:nvGrpSpPr>
+      <p:grpSpPr>
+        <a:xfrm>
+          <a:off x="0" y="0"/>
+          <a:ext cx="0" cy="0"/>
+          <a:chOff x="0" y="0"/>
+          <a:chExt cx="0" cy="0"/>
+        </a:xfrm>
+      </p:grpSpPr>
+      <p:sp>
+        <p:nvSpPr>
+          <p:cNvPr id="3" name="Slide Number Placeholder 2">
+            <a:extLst>
+              <a:ext uri="{FF2B5EF4-FFF2-40B4-BE49-F238E27FC236}">
                 <a16:creationId xmlns:a16="http://schemas.microsoft.com/office/drawing/2014/main" id="{44E70AE6-D9C2-4E1B-A376-A7A7DEE1E8A3}"/>
               </a:ext>
             </a:extLst>
@@ -22426,7 +22763,7 @@
             <a:fld id="{19B51A1E-902D-48AF-9020-955120F399B6}" type="slidenum">
               <a:rPr lang="en-US" b="1" i="1" smtClean="0"/>
               <a:pPr/>
-              <a:t>3</a:t>
+              <a:t>4</a:t>
             </a:fld>
             <a:endParaRPr lang="en-US" b="1" i="1" dirty="0"/>
           </a:p>
@@ -22913,7 +23250,7 @@
 </p:sld>
 </file>
 
-<file path=ppt/slides/slide4.xml><?xml version="1.0" encoding="utf-8"?>
+<file path=ppt/slides/slide5.xml><?xml version="1.0" encoding="utf-8"?>
 <p:sld xmlns:a="http://schemas.openxmlformats.org/drawingml/2006/main" xmlns:r="http://schemas.openxmlformats.org/officeDocument/2006/relationships" xmlns:p="http://schemas.openxmlformats.org/presentationml/2006/main">
   <p:cSld>
     <p:spTree>
@@ -22963,7 +23300,7 @@
             <a:fld id="{19B51A1E-902D-48AF-9020-955120F399B6}" type="slidenum">
               <a:rPr lang="en-US" b="1" i="1" smtClean="0"/>
               <a:pPr/>
-              <a:t>4</a:t>
+              <a:t>5</a:t>
             </a:fld>
             <a:endParaRPr lang="en-US" b="1" i="1" dirty="0"/>
           </a:p>
@@ -23397,7 +23734,7 @@
 </p:sld>
 </file>
 
-<file path=ppt/slides/slide5.xml><?xml version="1.0" encoding="utf-8"?>
+<file path=ppt/slides/slide6.xml><?xml version="1.0" encoding="utf-8"?>
 <p:sld xmlns:a="http://schemas.openxmlformats.org/drawingml/2006/main" xmlns:r="http://schemas.openxmlformats.org/officeDocument/2006/relationships" xmlns:p="http://schemas.openxmlformats.org/presentationml/2006/main">
   <p:cSld>
     <p:spTree>
@@ -23619,7 +23956,12 @@
             <p:ph type="sldNum" sz="quarter" idx="12"/>
           </p:nvPr>
         </p:nvSpPr>
-        <p:spPr/>
+        <p:spPr>
+          <a:xfrm>
+            <a:off x="11091633" y="6469615"/>
+            <a:ext cx="962795" cy="264330"/>
+          </a:xfrm>
+        </p:spPr>
         <p:txBody>
           <a:bodyPr/>
           <a:lstStyle/>
@@ -23631,7 +23973,7 @@
             <a:fld id="{19B51A1E-902D-48AF-9020-955120F399B6}" type="slidenum">
               <a:rPr lang="en-US" b="1" i="1" smtClean="0"/>
               <a:pPr/>
-              <a:t>5</a:t>
+              <a:t>6</a:t>
             </a:fld>
             <a:endParaRPr lang="en-US" b="1" i="1" dirty="0"/>
           </a:p>
@@ -23680,7 +24022,7 @@
 </p:sld>
 </file>
 
-<file path=ppt/slides/slide6.xml><?xml version="1.0" encoding="utf-8"?>
+<file path=ppt/slides/slide7.xml><?xml version="1.0" encoding="utf-8"?>
 <p:sld xmlns:a="http://schemas.openxmlformats.org/drawingml/2006/main" xmlns:r="http://schemas.openxmlformats.org/officeDocument/2006/relationships" xmlns:p="http://schemas.openxmlformats.org/presentationml/2006/main">
   <p:cSld>
     <p:spTree>
@@ -23730,7 +24072,7 @@
             <a:fld id="{19B51A1E-902D-48AF-9020-955120F399B6}" type="slidenum">
               <a:rPr lang="en-US" b="1" i="1" smtClean="0"/>
               <a:pPr/>
-              <a:t>6</a:t>
+              <a:t>7</a:t>
             </a:fld>
             <a:endParaRPr lang="en-US" b="1" i="1" dirty="0"/>
           </a:p>
@@ -24251,7 +24593,7 @@
 </p:sld>
 </file>
 
-<file path=ppt/slides/slide7.xml><?xml version="1.0" encoding="utf-8"?>
+<file path=ppt/slides/slide8.xml><?xml version="1.0" encoding="utf-8"?>
 <p:sld xmlns:a="http://schemas.openxmlformats.org/drawingml/2006/main" xmlns:r="http://schemas.openxmlformats.org/officeDocument/2006/relationships" xmlns:p="http://schemas.openxmlformats.org/presentationml/2006/main">
   <p:cSld>
     <p:spTree>
@@ -24562,7 +24904,7 @@
             <a:fld id="{19B51A1E-902D-48AF-9020-955120F399B6}" type="slidenum">
               <a:rPr lang="en-US" b="1" i="1" smtClean="0"/>
               <a:pPr/>
-              <a:t>7</a:t>
+              <a:t>8</a:t>
             </a:fld>
             <a:endParaRPr lang="en-US" b="1" i="1" dirty="0"/>
           </a:p>
@@ -24581,7 +24923,7 @@
 </p:sld>
 </file>
 
-<file path=ppt/slides/slide8.xml><?xml version="1.0" encoding="utf-8"?>
+<file path=ppt/slides/slide9.xml><?xml version="1.0" encoding="utf-8"?>
 <p:sld xmlns:a="http://schemas.openxmlformats.org/drawingml/2006/main" xmlns:r="http://schemas.openxmlformats.org/officeDocument/2006/relationships" xmlns:p="http://schemas.openxmlformats.org/presentationml/2006/main">
   <p:cSld>
     <p:spTree>
@@ -25612,7 +25954,7 @@
             <a:fld id="{19B51A1E-902D-48AF-9020-955120F399B6}" type="slidenum">
               <a:rPr lang="en-US" b="1" i="1" smtClean="0"/>
               <a:pPr/>
-              <a:t>8</a:t>
+              <a:t>9</a:t>
             </a:fld>
             <a:endParaRPr lang="en-US" b="1" i="1" dirty="0"/>
           </a:p>
@@ -27035,313 +27377,6 @@
     <p:extLst>
       <p:ext uri="{BB962C8B-B14F-4D97-AF65-F5344CB8AC3E}">
         <p14:creationId xmlns:p14="http://schemas.microsoft.com/office/powerpoint/2010/main" val="1393773005"/>
-      </p:ext>
-    </p:extLst>
-  </p:cSld>
-  <p:clrMapOvr>
-    <a:masterClrMapping/>
-  </p:clrMapOvr>
-</p:sld>
-</file>
-
-<file path=ppt/slides/slide9.xml><?xml version="1.0" encoding="utf-8"?>
-<p:sld xmlns:a="http://schemas.openxmlformats.org/drawingml/2006/main" xmlns:r="http://schemas.openxmlformats.org/officeDocument/2006/relationships" xmlns:p="http://schemas.openxmlformats.org/presentationml/2006/main">
-  <p:cSld>
-    <p:spTree>
-      <p:nvGrpSpPr>
-        <p:cNvPr id="1" name=""/>
-        <p:cNvGrpSpPr/>
-        <p:nvPr/>
-      </p:nvGrpSpPr>
-      <p:grpSpPr>
-        <a:xfrm>
-          <a:off x="0" y="0"/>
-          <a:ext cx="0" cy="0"/>
-          <a:chOff x="0" y="0"/>
-          <a:chExt cx="0" cy="0"/>
-        </a:xfrm>
-      </p:grpSpPr>
-      <p:pic>
-        <p:nvPicPr>
-          <p:cNvPr id="12" name="Picture Placeholder 11" descr="Arial image of computer laptop keyboard and clipboard with form on it.  Also contains hands folded.">
-            <a:extLst>
-              <a:ext uri="{FF2B5EF4-FFF2-40B4-BE49-F238E27FC236}">
-                <a16:creationId xmlns:a16="http://schemas.microsoft.com/office/drawing/2014/main" id="{3E7237D6-2D71-4A63-9CB5-8ADCB63FC726}"/>
-              </a:ext>
-            </a:extLst>
-          </p:cNvPr>
-          <p:cNvPicPr>
-            <a:picLocks noGrp="1" noChangeAspect="1"/>
-          </p:cNvPicPr>
-          <p:nvPr>
-            <p:ph type="pic" sz="quarter" idx="10"/>
-          </p:nvPr>
-        </p:nvPicPr>
-        <p:blipFill rotWithShape="1">
-          <a:blip r:embed="rId3" cstate="screen">
-            <a:extLst>
-              <a:ext uri="{28A0092B-C50C-407E-A947-70E740481C1C}">
-                <a14:useLocalDpi xmlns:a14="http://schemas.microsoft.com/office/drawing/2010/main"/>
-              </a:ext>
-            </a:extLst>
-          </a:blip>
-          <a:srcRect/>
-          <a:stretch/>
-        </p:blipFill>
-        <p:spPr>
-          <a:xfrm>
-            <a:off x="5277678" y="136525"/>
-            <a:ext cx="5676382" cy="6584950"/>
-          </a:xfrm>
-        </p:spPr>
-      </p:pic>
-      <p:sp>
-        <p:nvSpPr>
-          <p:cNvPr id="9" name="Rectangle 8">
-            <a:extLst>
-              <a:ext uri="{FF2B5EF4-FFF2-40B4-BE49-F238E27FC236}">
-                <a16:creationId xmlns:a16="http://schemas.microsoft.com/office/drawing/2014/main" id="{670550D9-B72F-46D0-B3A1-179DADF002AC}"/>
-              </a:ext>
-              <a:ext uri="{C183D7F6-B498-43B3-948B-1728B52AA6E4}">
-                <adec:decorative xmlns:adec="http://schemas.microsoft.com/office/drawing/2017/decorative" val="1"/>
-              </a:ext>
-            </a:extLst>
-          </p:cNvPr>
-          <p:cNvSpPr/>
-          <p:nvPr/>
-        </p:nvSpPr>
-        <p:spPr bwMode="invGray">
-          <a:xfrm rot="5400000">
-            <a:off x="4823394" y="590809"/>
-            <a:ext cx="6584950" cy="5676382"/>
-          </a:xfrm>
-          <a:prstGeom prst="rect">
-            <a:avLst/>
-          </a:prstGeom>
-          <a:solidFill>
-            <a:schemeClr val="tx1">
-              <a:alpha val="70000"/>
-            </a:schemeClr>
-          </a:solidFill>
-          <a:ln>
-            <a:noFill/>
-          </a:ln>
-        </p:spPr>
-        <p:style>
-          <a:lnRef idx="2">
-            <a:schemeClr val="accent1">
-              <a:shade val="50000"/>
-            </a:schemeClr>
-          </a:lnRef>
-          <a:fillRef idx="1">
-            <a:schemeClr val="accent1"/>
-          </a:fillRef>
-          <a:effectRef idx="0">
-            <a:schemeClr val="accent1"/>
-          </a:effectRef>
-          <a:fontRef idx="minor">
-            <a:schemeClr val="lt1"/>
-          </a:fontRef>
-        </p:style>
-        <p:txBody>
-          <a:bodyPr rtlCol="0" anchor="ctr"/>
-          <a:lstStyle/>
-          <a:p>
-            <a:pPr algn="ctr"/>
-            <a:endParaRPr lang="en-US" dirty="0"/>
-          </a:p>
-        </p:txBody>
-      </p:sp>
-      <p:sp>
-        <p:nvSpPr>
-          <p:cNvPr id="6" name="Content Placeholder 5">
-            <a:extLst>
-              <a:ext uri="{FF2B5EF4-FFF2-40B4-BE49-F238E27FC236}">
-                <a16:creationId xmlns:a16="http://schemas.microsoft.com/office/drawing/2014/main" id="{03161DAB-3A3E-48FC-9143-482C63BB1C02}"/>
-              </a:ext>
-            </a:extLst>
-          </p:cNvPr>
-          <p:cNvSpPr>
-            <a:spLocks noGrp="1"/>
-          </p:cNvSpPr>
-          <p:nvPr>
-            <p:ph idx="13"/>
-          </p:nvPr>
-        </p:nvSpPr>
-        <p:spPr>
-          <a:xfrm>
-            <a:off x="418243" y="649001"/>
-            <a:ext cx="4444800" cy="5939527"/>
-          </a:xfrm>
-        </p:spPr>
-        <p:txBody>
-          <a:bodyPr/>
-          <a:lstStyle/>
-          <a:p>
-            <a:pPr marL="0" indent="0">
-              <a:buNone/>
-            </a:pPr>
-            <a:r>
-              <a:rPr lang="en-US" sz="2400" dirty="0" err="1"/>
-              <a:t>QuickMed</a:t>
-            </a:r>
-            <a:r>
-              <a:rPr lang="en-US" sz="2400" dirty="0"/>
-              <a:t> was created by LordGhostX, </a:t>
-            </a:r>
-            <a:r>
-              <a:rPr lang="en-US" sz="2400" dirty="0" err="1"/>
-              <a:t>Ochuko</a:t>
-            </a:r>
-            <a:r>
-              <a:rPr lang="en-US" sz="2400" dirty="0"/>
-              <a:t> &amp; Destiny to solve problems associated with costs &amp; running time in medical tests and diagnostics.</a:t>
-            </a:r>
-          </a:p>
-          <a:p>
-            <a:pPr marL="0" indent="0">
-              <a:buNone/>
-            </a:pPr>
-            <a:endParaRPr lang="en-US" sz="2400" dirty="0"/>
-          </a:p>
-          <a:p>
-            <a:pPr marL="0" indent="0">
-              <a:buNone/>
-            </a:pPr>
-            <a:endParaRPr lang="en-US" sz="2400" dirty="0"/>
-          </a:p>
-          <a:p>
-            <a:pPr marL="0" indent="0">
-              <a:buNone/>
-            </a:pPr>
-            <a:endParaRPr lang="en-US" sz="2400" dirty="0"/>
-          </a:p>
-          <a:p>
-            <a:pPr marL="0" indent="0">
-              <a:buNone/>
-            </a:pPr>
-            <a:r>
-              <a:rPr lang="en-US" sz="2400" dirty="0" err="1"/>
-              <a:t>QuickMed</a:t>
-            </a:r>
-            <a:r>
-              <a:rPr lang="en-US" sz="2400" dirty="0"/>
-              <a:t> is focused on using innovative AI and Machine Learning techniques to improve diagnostic accuracy, cut costs, decrease testing time and improve patient safety worldwide. </a:t>
-            </a:r>
-          </a:p>
-        </p:txBody>
-      </p:sp>
-      <p:sp>
-        <p:nvSpPr>
-          <p:cNvPr id="3" name="Title 2">
-            <a:extLst>
-              <a:ext uri="{FF2B5EF4-FFF2-40B4-BE49-F238E27FC236}">
-                <a16:creationId xmlns:a16="http://schemas.microsoft.com/office/drawing/2014/main" id="{7A663105-4B92-4F24-9DF6-58BB116E29FA}"/>
-              </a:ext>
-            </a:extLst>
-          </p:cNvPr>
-          <p:cNvSpPr>
-            <a:spLocks noGrp="1"/>
-          </p:cNvSpPr>
-          <p:nvPr>
-            <p:ph type="ctrTitle"/>
-          </p:nvPr>
-        </p:nvSpPr>
-        <p:spPr bwMode="black">
-          <a:xfrm>
-            <a:off x="5573044" y="3089349"/>
-            <a:ext cx="5085650" cy="1518651"/>
-          </a:xfrm>
-        </p:spPr>
-        <p:txBody>
-          <a:bodyPr/>
-          <a:lstStyle/>
-          <a:p>
-            <a:r>
-              <a:rPr lang="en-US" sz="8000" b="1" dirty="0">
-                <a:latin typeface="Agency FB" panose="020B0503020202020204" pitchFamily="34" charset="0"/>
-              </a:rPr>
-              <a:t>About Us</a:t>
-            </a:r>
-          </a:p>
-        </p:txBody>
-      </p:sp>
-      <p:sp>
-        <p:nvSpPr>
-          <p:cNvPr id="4" name="Subtitle 3">
-            <a:extLst>
-              <a:ext uri="{FF2B5EF4-FFF2-40B4-BE49-F238E27FC236}">
-                <a16:creationId xmlns:a16="http://schemas.microsoft.com/office/drawing/2014/main" id="{8E41F722-BA6E-4DCA-864E-876ECDFB5336}"/>
-              </a:ext>
-            </a:extLst>
-          </p:cNvPr>
-          <p:cNvSpPr>
-            <a:spLocks noGrp="1"/>
-          </p:cNvSpPr>
-          <p:nvPr>
-            <p:ph type="subTitle" idx="1"/>
-          </p:nvPr>
-        </p:nvSpPr>
-        <p:spPr bwMode="black">
-          <a:xfrm>
-            <a:off x="5573044" y="4764737"/>
-            <a:ext cx="5085650" cy="1800000"/>
-          </a:xfrm>
-        </p:spPr>
-        <p:txBody>
-          <a:bodyPr/>
-          <a:lstStyle/>
-          <a:p>
-            <a:r>
-              <a:rPr lang="en-US" sz="3200" b="1" dirty="0">
-                <a:latin typeface="Agency FB" panose="020B0503020202020204" pitchFamily="34" charset="0"/>
-              </a:rPr>
-              <a:t>We’re Setting the Standards in Research &amp; Clinical Care </a:t>
-            </a:r>
-            <a:endParaRPr lang="en-US" sz="3200" dirty="0">
-              <a:latin typeface="Agency FB" panose="020B0503020202020204" pitchFamily="34" charset="0"/>
-            </a:endParaRPr>
-          </a:p>
-        </p:txBody>
-      </p:sp>
-      <p:sp>
-        <p:nvSpPr>
-          <p:cNvPr id="5" name="Slide Number Placeholder 4">
-            <a:extLst>
-              <a:ext uri="{FF2B5EF4-FFF2-40B4-BE49-F238E27FC236}">
-                <a16:creationId xmlns:a16="http://schemas.microsoft.com/office/drawing/2014/main" id="{185B41C8-4B55-458F-878B-550AD24B15E9}"/>
-              </a:ext>
-            </a:extLst>
-          </p:cNvPr>
-          <p:cNvSpPr>
-            <a:spLocks noGrp="1"/>
-          </p:cNvSpPr>
-          <p:nvPr>
-            <p:ph type="sldNum" sz="quarter" idx="12"/>
-          </p:nvPr>
-        </p:nvSpPr>
-        <p:spPr/>
-        <p:txBody>
-          <a:bodyPr/>
-          <a:lstStyle/>
-          <a:p>
-            <a:r>
-              <a:rPr lang="en-US" dirty="0"/>
-              <a:t>page </a:t>
-            </a:r>
-            <a:fld id="{19B51A1E-902D-48AF-9020-955120F399B6}" type="slidenum">
-              <a:rPr lang="en-US" smtClean="0"/>
-              <a:pPr/>
-              <a:t>9</a:t>
-            </a:fld>
-            <a:endParaRPr lang="en-US" dirty="0"/>
-          </a:p>
-        </p:txBody>
-      </p:sp>
-    </p:spTree>
-    <p:extLst>
-      <p:ext uri="{BB962C8B-B14F-4D97-AF65-F5344CB8AC3E}">
-        <p14:creationId xmlns:p14="http://schemas.microsoft.com/office/powerpoint/2010/main" val="2122728967"/>
       </p:ext>
     </p:extLst>
   </p:cSld>
@@ -28238,6 +28273,14 @@
 </file>
 
 <file path=customXml/item1.xml><?xml version="1.0" encoding="utf-8"?>
+<p:properties xmlns:p="http://schemas.microsoft.com/office/2006/metadata/properties" xmlns:xsi="http://www.w3.org/2001/XMLSchema-instance" xmlns:pc="http://schemas.microsoft.com/office/infopath/2007/PartnerControls">
+  <documentManagement>
+    <MediaServiceKeyPoints xmlns="71af3243-3dd4-4a8d-8c0d-dd76da1f02a5" xsi:nil="true"/>
+  </documentManagement>
+</p:properties>
+</file>
+
+<file path=customXml/item2.xml><?xml version="1.0" encoding="utf-8"?>
 <ct:contentTypeSchema xmlns:ct="http://schemas.microsoft.com/office/2006/metadata/contentType" xmlns:ma="http://schemas.microsoft.com/office/2006/metadata/properties/metaAttributes" ct:_="" ma:_="" ma:contentTypeName="Document" ma:contentTypeID="0x01010079F111ED35F8CC479449609E8A0923A6" ma:contentTypeVersion="11" ma:contentTypeDescription="Create a new document." ma:contentTypeScope="" ma:versionID="9677210f24a1be23c92c90fd886aa0aa">
   <xsd:schema xmlns:xsd="http://www.w3.org/2001/XMLSchema" xmlns:xs="http://www.w3.org/2001/XMLSchema" xmlns:p="http://schemas.microsoft.com/office/2006/metadata/properties" xmlns:ns2="71af3243-3dd4-4a8d-8c0d-dd76da1f02a5" xmlns:ns3="16c05727-aa75-4e4a-9b5f-8a80a1165891" targetNamespace="http://schemas.microsoft.com/office/2006/metadata/properties" ma:root="true" ma:fieldsID="60e05723c5c1908df1a1a4ebf11d344e" ns2:_="" ns3:_="">
     <xsd:import namespace="71af3243-3dd4-4a8d-8c0d-dd76da1f02a5"/>
@@ -28448,7 +28491,7 @@
 </ct:contentTypeSchema>
 </file>
 
-<file path=customXml/item2.xml><?xml version="1.0" encoding="utf-8"?>
+<file path=customXml/item3.xml><?xml version="1.0" encoding="utf-8"?>
 <?mso-contentType ?>
 <FormTemplates xmlns="http://schemas.microsoft.com/sharepoint/v3/contenttype/forms">
   <Display>DocumentLibraryForm</Display>
@@ -28457,15 +28500,24 @@
 </FormTemplates>
 </file>
 
-<file path=customXml/item3.xml><?xml version="1.0" encoding="utf-8"?>
-<p:properties xmlns:p="http://schemas.microsoft.com/office/2006/metadata/properties" xmlns:xsi="http://www.w3.org/2001/XMLSchema-instance" xmlns:pc="http://schemas.microsoft.com/office/infopath/2007/PartnerControls">
-  <documentManagement>
-    <MediaServiceKeyPoints xmlns="71af3243-3dd4-4a8d-8c0d-dd76da1f02a5" xsi:nil="true"/>
-  </documentManagement>
-</p:properties>
+<file path=customXml/itemProps1.xml><?xml version="1.0" encoding="utf-8"?>
+<ds:datastoreItem xmlns:ds="http://schemas.openxmlformats.org/officeDocument/2006/customXml" ds:itemID="{270A2AAC-D70B-4233-9389-268D6896774D}">
+  <ds:schemaRefs>
+    <ds:schemaRef ds:uri="http://schemas.openxmlformats.org/package/2006/metadata/core-properties"/>
+    <ds:schemaRef ds:uri="http://purl.org/dc/elements/1.1/"/>
+    <ds:schemaRef ds:uri="http://schemas.microsoft.com/office/2006/metadata/properties"/>
+    <ds:schemaRef ds:uri="http://schemas.microsoft.com/office/2006/documentManagement/types"/>
+    <ds:schemaRef ds:uri="http://purl.org/dc/terms/"/>
+    <ds:schemaRef ds:uri="http://schemas.microsoft.com/office/infopath/2007/PartnerControls"/>
+    <ds:schemaRef ds:uri="http://purl.org/dc/dcmitype/"/>
+    <ds:schemaRef ds:uri="16c05727-aa75-4e4a-9b5f-8a80a1165891"/>
+    <ds:schemaRef ds:uri="71af3243-3dd4-4a8d-8c0d-dd76da1f02a5"/>
+    <ds:schemaRef ds:uri="http://www.w3.org/XML/1998/namespace"/>
+  </ds:schemaRefs>
+</ds:datastoreItem>
 </file>
 
-<file path=customXml/itemProps1.xml><?xml version="1.0" encoding="utf-8"?>
+<file path=customXml/itemProps2.xml><?xml version="1.0" encoding="utf-8"?>
 <ds:datastoreItem xmlns:ds="http://schemas.openxmlformats.org/officeDocument/2006/customXml" ds:itemID="{172D1CBC-A6D2-4C27-A0DD-244AE04E36B7}">
   <ds:schemaRefs>
     <ds:schemaRef ds:uri="http://schemas.microsoft.com/office/2006/metadata/contentType"/>
@@ -28484,27 +28536,10 @@
 </ds:datastoreItem>
 </file>
 
-<file path=customXml/itemProps2.xml><?xml version="1.0" encoding="utf-8"?>
+<file path=customXml/itemProps3.xml><?xml version="1.0" encoding="utf-8"?>
 <ds:datastoreItem xmlns:ds="http://schemas.openxmlformats.org/officeDocument/2006/customXml" ds:itemID="{5FFFEA1C-4D28-422A-816B-51B2F61D85DA}">
   <ds:schemaRefs>
     <ds:schemaRef ds:uri="http://schemas.microsoft.com/sharepoint/v3/contenttype/forms"/>
   </ds:schemaRefs>
 </ds:datastoreItem>
-</file>
-
-<file path=customXml/itemProps3.xml><?xml version="1.0" encoding="utf-8"?>
-<ds:datastoreItem xmlns:ds="http://schemas.openxmlformats.org/officeDocument/2006/customXml" ds:itemID="{270A2AAC-D70B-4233-9389-268D6896774D}">
-  <ds:schemaRefs>
-    <ds:schemaRef ds:uri="http://schemas.openxmlformats.org/package/2006/metadata/core-properties"/>
-    <ds:schemaRef ds:uri="http://purl.org/dc/elements/1.1/"/>
-    <ds:schemaRef ds:uri="http://schemas.microsoft.com/office/2006/metadata/properties"/>
-    <ds:schemaRef ds:uri="http://schemas.microsoft.com/office/2006/documentManagement/types"/>
-    <ds:schemaRef ds:uri="http://purl.org/dc/terms/"/>
-    <ds:schemaRef ds:uri="http://schemas.microsoft.com/office/infopath/2007/PartnerControls"/>
-    <ds:schemaRef ds:uri="http://purl.org/dc/dcmitype/"/>
-    <ds:schemaRef ds:uri="16c05727-aa75-4e4a-9b5f-8a80a1165891"/>
-    <ds:schemaRef ds:uri="71af3243-3dd4-4a8d-8c0d-dd76da1f02a5"/>
-    <ds:schemaRef ds:uri="http://www.w3.org/XML/1998/namespace"/>
-  </ds:schemaRefs>
-</ds:datastoreItem>
 </file>
--- a/slide/QuickMed.pptx
+++ b/slide/QuickMed.pptx
@@ -1516,7 +1516,7 @@
           <a:p>
             <a:fld id="{EF1077DB-935E-4A0A-947A-D283B9F9F452}" type="datetimeFigureOut">
               <a:rPr lang="en-US" smtClean="0"/>
-              <a:t>10/11/2019</a:t>
+              <a:t>10/14/2019</a:t>
             </a:fld>
             <a:endParaRPr lang="en-US" dirty="0"/>
           </a:p>
@@ -1693,7 +1693,7 @@
           <a:p>
             <a:fld id="{19EDBDA2-4480-4D82-8886-1B64A7ECBBAC}" type="datetimeFigureOut">
               <a:rPr lang="en-US" noProof="0" smtClean="0"/>
-              <a:t>10/11/2019</a:t>
+              <a:t>10/14/2019</a:t>
             </a:fld>
             <a:endParaRPr lang="en-US" noProof="0" dirty="0"/>
           </a:p>
@@ -22689,17 +22689,44 @@
           <a:p>
             <a:pPr algn="ctr"/>
             <a:r>
-              <a:rPr lang="en-US" sz="8000" b="1">
+              <a:rPr lang="en-US" sz="8000" b="1" dirty="0">
                 <a:latin typeface="Agency FB" panose="020B0503020202020204" pitchFamily="34" charset="0"/>
               </a:rPr>
               <a:t>Case Study</a:t>
             </a:r>
-            <a:endParaRPr lang="en-US" sz="8000" b="1" dirty="0">
-              <a:latin typeface="Agency FB" panose="020B0503020202020204" pitchFamily="34" charset="0"/>
-            </a:endParaRPr>
-          </a:p>
-        </p:txBody>
-      </p:sp>
+          </a:p>
+        </p:txBody>
+      </p:sp>
+      <p:pic>
+        <p:nvPicPr>
+          <p:cNvPr id="5" name="Picture 4">
+            <a:extLst>
+              <a:ext uri="{FF2B5EF4-FFF2-40B4-BE49-F238E27FC236}">
+                <a16:creationId xmlns:a16="http://schemas.microsoft.com/office/drawing/2014/main" id="{BFE32ADC-2642-42B1-B626-6519B00D658A}"/>
+              </a:ext>
+            </a:extLst>
+          </p:cNvPr>
+          <p:cNvPicPr>
+            <a:picLocks noChangeAspect="1"/>
+          </p:cNvPicPr>
+          <p:nvPr/>
+        </p:nvPicPr>
+        <p:blipFill>
+          <a:blip r:embed="rId2"/>
+          <a:stretch>
+            <a:fillRect/>
+          </a:stretch>
+        </p:blipFill>
+        <p:spPr>
+          <a:xfrm>
+            <a:off x="2467675" y="1902451"/>
+            <a:ext cx="6071883" cy="4553912"/>
+          </a:xfrm>
+          <a:prstGeom prst="rect">
+            <a:avLst/>
+          </a:prstGeom>
+        </p:spPr>
+      </p:pic>
     </p:spTree>
     <p:extLst>
       <p:ext uri="{BB962C8B-B14F-4D97-AF65-F5344CB8AC3E}">

--- a/slide/QuickMed.pptx
+++ b/slide/QuickMed.pptx
@@ -1516,7 +1516,7 @@
           <a:p>
             <a:fld id="{EF1077DB-935E-4A0A-947A-D283B9F9F452}" type="datetimeFigureOut">
               <a:rPr lang="en-US" smtClean="0"/>
-              <a:t>10/14/2019</a:t>
+              <a:t>10/17/2019</a:t>
             </a:fld>
             <a:endParaRPr lang="en-US" dirty="0"/>
           </a:p>
@@ -1693,7 +1693,7 @@
           <a:p>
             <a:fld id="{19EDBDA2-4480-4D82-8886-1B64A7ECBBAC}" type="datetimeFigureOut">
               <a:rPr lang="en-US" noProof="0" smtClean="0"/>
-              <a:t>10/14/2019</a:t>
+              <a:t>10/17/2019</a:t>
             </a:fld>
             <a:endParaRPr lang="en-US" noProof="0" dirty="0"/>
           </a:p>
@@ -21904,7 +21904,7 @@
               <a:rPr lang="en-US" sz="4000" dirty="0">
                 <a:latin typeface="Agency FB" panose="020B0503020202020204" pitchFamily="34" charset="0"/>
               </a:rPr>
-              <a:t>www.quickmedai.com</a:t>
+              <a:t>www.quickmed.xyz</a:t>
             </a:r>
           </a:p>
         </p:txBody>
@@ -28308,6 +28308,15 @@
 </file>
 
 <file path=customXml/item2.xml><?xml version="1.0" encoding="utf-8"?>
+<?mso-contentType ?>
+<FormTemplates xmlns="http://schemas.microsoft.com/sharepoint/v3/contenttype/forms">
+  <Display>DocumentLibraryForm</Display>
+  <Edit>DocumentLibraryForm</Edit>
+  <New>DocumentLibraryForm</New>
+</FormTemplates>
+</file>
+
+<file path=customXml/item3.xml><?xml version="1.0" encoding="utf-8"?>
 <ct:contentTypeSchema xmlns:ct="http://schemas.microsoft.com/office/2006/metadata/contentType" xmlns:ma="http://schemas.microsoft.com/office/2006/metadata/properties/metaAttributes" ct:_="" ma:_="" ma:contentTypeName="Document" ma:contentTypeID="0x01010079F111ED35F8CC479449609E8A0923A6" ma:contentTypeVersion="11" ma:contentTypeDescription="Create a new document." ma:contentTypeScope="" ma:versionID="9677210f24a1be23c92c90fd886aa0aa">
   <xsd:schema xmlns:xsd="http://www.w3.org/2001/XMLSchema" xmlns:xs="http://www.w3.org/2001/XMLSchema" xmlns:p="http://schemas.microsoft.com/office/2006/metadata/properties" xmlns:ns2="71af3243-3dd4-4a8d-8c0d-dd76da1f02a5" xmlns:ns3="16c05727-aa75-4e4a-9b5f-8a80a1165891" targetNamespace="http://schemas.microsoft.com/office/2006/metadata/properties" ma:root="true" ma:fieldsID="60e05723c5c1908df1a1a4ebf11d344e" ns2:_="" ns3:_="">
     <xsd:import namespace="71af3243-3dd4-4a8d-8c0d-dd76da1f02a5"/>
@@ -28518,15 +28527,6 @@
 </ct:contentTypeSchema>
 </file>
 
-<file path=customXml/item3.xml><?xml version="1.0" encoding="utf-8"?>
-<?mso-contentType ?>
-<FormTemplates xmlns="http://schemas.microsoft.com/sharepoint/v3/contenttype/forms">
-  <Display>DocumentLibraryForm</Display>
-  <Edit>DocumentLibraryForm</Edit>
-  <New>DocumentLibraryForm</New>
-</FormTemplates>
-</file>
-
 <file path=customXml/itemProps1.xml><?xml version="1.0" encoding="utf-8"?>
 <ds:datastoreItem xmlns:ds="http://schemas.openxmlformats.org/officeDocument/2006/customXml" ds:itemID="{270A2AAC-D70B-4233-9389-268D6896774D}">
   <ds:schemaRefs>
@@ -28545,6 +28545,14 @@
 </file>
 
 <file path=customXml/itemProps2.xml><?xml version="1.0" encoding="utf-8"?>
+<ds:datastoreItem xmlns:ds="http://schemas.openxmlformats.org/officeDocument/2006/customXml" ds:itemID="{5FFFEA1C-4D28-422A-816B-51B2F61D85DA}">
+  <ds:schemaRefs>
+    <ds:schemaRef ds:uri="http://schemas.microsoft.com/sharepoint/v3/contenttype/forms"/>
+  </ds:schemaRefs>
+</ds:datastoreItem>
+</file>
+
+<file path=customXml/itemProps3.xml><?xml version="1.0" encoding="utf-8"?>
 <ds:datastoreItem xmlns:ds="http://schemas.openxmlformats.org/officeDocument/2006/customXml" ds:itemID="{172D1CBC-A6D2-4C27-A0DD-244AE04E36B7}">
   <ds:schemaRefs>
     <ds:schemaRef ds:uri="http://schemas.microsoft.com/office/2006/metadata/contentType"/>
@@ -28561,12 +28569,4 @@
     <ds:schemaRef ds:uri="http://schemas.microsoft.com/internal/obd"/>
   </ds:schemaRefs>
 </ds:datastoreItem>
-</file>
-
-<file path=customXml/itemProps3.xml><?xml version="1.0" encoding="utf-8"?>
-<ds:datastoreItem xmlns:ds="http://schemas.openxmlformats.org/officeDocument/2006/customXml" ds:itemID="{5FFFEA1C-4D28-422A-816B-51B2F61D85DA}">
-  <ds:schemaRefs>
-    <ds:schemaRef ds:uri="http://schemas.microsoft.com/sharepoint/v3/contenttype/forms"/>
-  </ds:schemaRefs>
-</ds:datastoreItem>
 </file>